--- a/course_material/slides/inheritance.pptx
+++ b/course_material/slides/inheritance.pptx
@@ -7,16 +7,21 @@
   <p:sldIdLst>
     <p:sldId id="266" r:id="rId2"/>
     <p:sldId id="256" r:id="rId3"/>
-    <p:sldId id="257" r:id="rId4"/>
-    <p:sldId id="258" r:id="rId5"/>
-    <p:sldId id="264" r:id="rId6"/>
-    <p:sldId id="259" r:id="rId7"/>
-    <p:sldId id="263" r:id="rId8"/>
-    <p:sldId id="260" r:id="rId9"/>
-    <p:sldId id="265" r:id="rId10"/>
-    <p:sldId id="261" r:id="rId11"/>
-    <p:sldId id="267" r:id="rId12"/>
-    <p:sldId id="262" r:id="rId13"/>
+    <p:sldId id="268" r:id="rId4"/>
+    <p:sldId id="269" r:id="rId5"/>
+    <p:sldId id="270" r:id="rId6"/>
+    <p:sldId id="257" r:id="rId7"/>
+    <p:sldId id="258" r:id="rId8"/>
+    <p:sldId id="264" r:id="rId9"/>
+    <p:sldId id="259" r:id="rId10"/>
+    <p:sldId id="271" r:id="rId11"/>
+    <p:sldId id="263" r:id="rId12"/>
+    <p:sldId id="272" r:id="rId13"/>
+    <p:sldId id="260" r:id="rId14"/>
+    <p:sldId id="265" r:id="rId15"/>
+    <p:sldId id="261" r:id="rId16"/>
+    <p:sldId id="267" r:id="rId17"/>
+    <p:sldId id="262" r:id="rId18"/>
   </p:sldIdLst>
   <p:sldSz cx="12192000" cy="6858000"/>
   <p:notesSz cx="6858000" cy="9144000"/>
@@ -3652,7 +3657,10 @@
           <a:bodyPr/>
           <a:lstStyle/>
           <a:p>
-            <a:endParaRPr lang="en-US"/>
+            <a:r>
+              <a:rPr lang="en-US" dirty="0"/>
+              <a:t>Housekeeping</a:t>
+            </a:r>
           </a:p>
         </p:txBody>
       </p:sp>
@@ -3672,12 +3680,61 @@
             <p:ph idx="1"/>
           </p:nvPr>
         </p:nvSpPr>
-        <p:spPr/>
+        <p:spPr>
+          <a:xfrm>
+            <a:off x="1451579" y="2015732"/>
+            <a:ext cx="9603275" cy="3879230"/>
+          </a:xfrm>
+        </p:spPr>
         <p:txBody>
           <a:bodyPr/>
           <a:lstStyle/>
           <a:p>
-            <a:endParaRPr lang="en-US"/>
+            <a:r>
+              <a:rPr lang="en-US" dirty="0"/>
+              <a:t>Questions / ambiguities on assignment or other stuff. </a:t>
+            </a:r>
+          </a:p>
+          <a:p>
+            <a:r>
+              <a:rPr lang="en-US" dirty="0"/>
+              <a:t>Class inheritance part 1. (Ch 15-17ish in book, but not all)</a:t>
+            </a:r>
+          </a:p>
+          <a:p>
+            <a:pPr lvl="1"/>
+            <a:r>
+              <a:rPr lang="en-US" dirty="0"/>
+              <a:t>Simple intro to inheritance as a concept, with some examples and exercises. </a:t>
+            </a:r>
+          </a:p>
+          <a:p>
+            <a:pPr lvl="1"/>
+            <a:r>
+              <a:rPr lang="en-US" dirty="0"/>
+              <a:t>We’ll do some slightly more elaborate stuff next time. </a:t>
+            </a:r>
+          </a:p>
+          <a:p>
+            <a:pPr lvl="1"/>
+            <a:r>
+              <a:rPr lang="en-US" dirty="0"/>
+              <a:t>We’ll revisit inheritance in a couple of weeks, and look at the more complex stuff. </a:t>
+            </a:r>
+          </a:p>
+          <a:p>
+            <a:pPr lvl="2"/>
+            <a:r>
+              <a:rPr lang="en-US" dirty="0"/>
+              <a:t>The ideas behind this can be confusing and important, so I think having some space is easier. </a:t>
+            </a:r>
+          </a:p>
+          <a:p>
+            <a:pPr lvl="2"/>
+            <a:r>
+              <a:rPr lang="en-US" dirty="0"/>
+              <a:t>We’ll ultimately try to do something similar to 18.2 as an exercise next time</a:t>
+            </a:r>
           </a:p>
         </p:txBody>
       </p:sp>
@@ -3716,6 +3773,872 @@
           <p:cNvPr id="2" name="Title 1">
             <a:extLst>
               <a:ext uri="{FF2B5EF4-FFF2-40B4-BE49-F238E27FC236}">
+                <a16:creationId xmlns:a16="http://schemas.microsoft.com/office/drawing/2014/main" id="{A8C28CFC-F265-549F-F25F-04046910D7FB}"/>
+              </a:ext>
+            </a:extLst>
+          </p:cNvPr>
+          <p:cNvSpPr>
+            <a:spLocks noGrp="1"/>
+          </p:cNvSpPr>
+          <p:nvPr>
+            <p:ph type="title"/>
+          </p:nvPr>
+        </p:nvSpPr>
+        <p:spPr/>
+        <p:txBody>
+          <a:bodyPr/>
+          <a:lstStyle/>
+          <a:p>
+            <a:r>
+              <a:rPr lang="en-US" dirty="0"/>
+              <a:t>Is-a and Has-A</a:t>
+            </a:r>
+          </a:p>
+        </p:txBody>
+      </p:sp>
+      <p:sp>
+        <p:nvSpPr>
+          <p:cNvPr id="3" name="Content Placeholder 2">
+            <a:extLst>
+              <a:ext uri="{FF2B5EF4-FFF2-40B4-BE49-F238E27FC236}">
+                <a16:creationId xmlns:a16="http://schemas.microsoft.com/office/drawing/2014/main" id="{9DF60B03-171F-D9E6-DBA9-AEC44EE7A9AD}"/>
+              </a:ext>
+            </a:extLst>
+          </p:cNvPr>
+          <p:cNvSpPr>
+            <a:spLocks noGrp="1"/>
+          </p:cNvSpPr>
+          <p:nvPr>
+            <p:ph idx="1"/>
+          </p:nvPr>
+        </p:nvSpPr>
+        <p:spPr>
+          <a:xfrm>
+            <a:off x="1451579" y="3030555"/>
+            <a:ext cx="9603275" cy="3110841"/>
+          </a:xfrm>
+        </p:spPr>
+        <p:txBody>
+          <a:bodyPr/>
+          <a:lstStyle/>
+          <a:p>
+            <a:r>
+              <a:rPr lang="en-US" dirty="0"/>
+              <a:t>We say that a subclass has an “is a” relationship with its parent. </a:t>
+            </a:r>
+          </a:p>
+          <a:p>
+            <a:pPr lvl="1"/>
+            <a:r>
+              <a:rPr lang="en-US" dirty="0"/>
+              <a:t>E.g. a Dog “is an” Animal.  </a:t>
+            </a:r>
+          </a:p>
+          <a:p>
+            <a:pPr lvl="1"/>
+            <a:r>
+              <a:rPr lang="en-US" dirty="0"/>
+              <a:t>A dog is a valid animal object, it is just also more than that. </a:t>
+            </a:r>
+          </a:p>
+          <a:p>
+            <a:r>
+              <a:rPr lang="en-US" dirty="0"/>
+              <a:t>When something holds or contains some object, we say it has a “has a” relationship. </a:t>
+            </a:r>
+          </a:p>
+          <a:p>
+            <a:pPr lvl="1"/>
+            <a:r>
+              <a:rPr lang="en-US" dirty="0"/>
+              <a:t>E.g. a Dog “has an” string attribute for fur color. </a:t>
+            </a:r>
+          </a:p>
+          <a:p>
+            <a:pPr lvl="1"/>
+            <a:r>
+              <a:rPr lang="en-US" dirty="0"/>
+              <a:t>A dog holds another object, in this case it is a string but it could be any object, in its attributes. </a:t>
+            </a:r>
+          </a:p>
+          <a:p>
+            <a:pPr lvl="1"/>
+            <a:endParaRPr lang="en-US" dirty="0"/>
+          </a:p>
+        </p:txBody>
+      </p:sp>
+      <p:pic>
+        <p:nvPicPr>
+          <p:cNvPr id="7170" name="Picture 2" descr="What is Is-a and Has-a means in Java? - Quora">
+            <a:extLst>
+              <a:ext uri="{FF2B5EF4-FFF2-40B4-BE49-F238E27FC236}">
+                <a16:creationId xmlns:a16="http://schemas.microsoft.com/office/drawing/2014/main" id="{B3DE71BB-340A-9DDC-AD72-EF5BA4290D45}"/>
+              </a:ext>
+            </a:extLst>
+          </p:cNvPr>
+          <p:cNvPicPr>
+            <a:picLocks noChangeAspect="1" noChangeArrowheads="1"/>
+          </p:cNvPicPr>
+          <p:nvPr/>
+        </p:nvPicPr>
+        <p:blipFill>
+          <a:blip r:embed="rId2">
+            <a:extLst>
+              <a:ext uri="{28A0092B-C50C-407E-A947-70E740481C1C}">
+                <a14:useLocalDpi xmlns:a14="http://schemas.microsoft.com/office/drawing/2010/main" val="0"/>
+              </a:ext>
+            </a:extLst>
+          </a:blip>
+          <a:srcRect/>
+          <a:stretch>
+            <a:fillRect/>
+          </a:stretch>
+        </p:blipFill>
+        <p:spPr bwMode="auto">
+          <a:xfrm>
+            <a:off x="6431796" y="0"/>
+            <a:ext cx="5760203" cy="3030555"/>
+          </a:xfrm>
+          <a:prstGeom prst="rect">
+            <a:avLst/>
+          </a:prstGeom>
+          <a:noFill/>
+          <a:extLst>
+            <a:ext uri="{909E8E84-426E-40DD-AFC4-6F175D3DCCD1}">
+              <a14:hiddenFill xmlns:a14="http://schemas.microsoft.com/office/drawing/2010/main">
+                <a:solidFill>
+                  <a:srgbClr val="FFFFFF"/>
+                </a:solidFill>
+              </a14:hiddenFill>
+            </a:ext>
+          </a:extLst>
+        </p:spPr>
+      </p:pic>
+    </p:spTree>
+    <p:extLst>
+      <p:ext uri="{BB962C8B-B14F-4D97-AF65-F5344CB8AC3E}">
+        <p14:creationId xmlns:p14="http://schemas.microsoft.com/office/powerpoint/2010/main" val="721692380"/>
+      </p:ext>
+    </p:extLst>
+  </p:cSld>
+  <p:clrMapOvr>
+    <a:masterClrMapping/>
+  </p:clrMapOvr>
+</p:sld>
+</file>
+
+<file path=ppt/slides/slide11.xml><?xml version="1.0" encoding="utf-8"?>
+<p:sld xmlns:a="http://schemas.openxmlformats.org/drawingml/2006/main" xmlns:r="http://schemas.openxmlformats.org/officeDocument/2006/relationships" xmlns:p="http://schemas.openxmlformats.org/presentationml/2006/main">
+  <p:cSld>
+    <p:spTree>
+      <p:nvGrpSpPr>
+        <p:cNvPr id="1" name=""/>
+        <p:cNvGrpSpPr/>
+        <p:nvPr/>
+      </p:nvGrpSpPr>
+      <p:grpSpPr>
+        <a:xfrm>
+          <a:off x="0" y="0"/>
+          <a:ext cx="0" cy="0"/>
+          <a:chOff x="0" y="0"/>
+          <a:chExt cx="0" cy="0"/>
+        </a:xfrm>
+      </p:grpSpPr>
+      <p:sp>
+        <p:nvSpPr>
+          <p:cNvPr id="2" name="Title 1">
+            <a:extLst>
+              <a:ext uri="{FF2B5EF4-FFF2-40B4-BE49-F238E27FC236}">
+                <a16:creationId xmlns:a16="http://schemas.microsoft.com/office/drawing/2014/main" id="{A04BF216-5A24-9200-B8D2-48F60B7730E3}"/>
+              </a:ext>
+            </a:extLst>
+          </p:cNvPr>
+          <p:cNvSpPr>
+            <a:spLocks noGrp="1"/>
+          </p:cNvSpPr>
+          <p:nvPr>
+            <p:ph type="title"/>
+          </p:nvPr>
+        </p:nvSpPr>
+        <p:spPr/>
+        <p:txBody>
+          <a:bodyPr/>
+          <a:lstStyle/>
+          <a:p>
+            <a:endParaRPr lang="en-US"/>
+          </a:p>
+        </p:txBody>
+      </p:sp>
+      <p:sp>
+        <p:nvSpPr>
+          <p:cNvPr id="3" name="Content Placeholder 2">
+            <a:extLst>
+              <a:ext uri="{FF2B5EF4-FFF2-40B4-BE49-F238E27FC236}">
+                <a16:creationId xmlns:a16="http://schemas.microsoft.com/office/drawing/2014/main" id="{FF8436AD-0B81-FCEA-53FA-418A3B6FFEA8}"/>
+              </a:ext>
+            </a:extLst>
+          </p:cNvPr>
+          <p:cNvSpPr>
+            <a:spLocks noGrp="1"/>
+          </p:cNvSpPr>
+          <p:nvPr>
+            <p:ph idx="1"/>
+          </p:nvPr>
+        </p:nvSpPr>
+        <p:spPr/>
+        <p:txBody>
+          <a:bodyPr/>
+          <a:lstStyle/>
+          <a:p>
+            <a:endParaRPr lang="en-US"/>
+          </a:p>
+        </p:txBody>
+      </p:sp>
+      <p:pic>
+        <p:nvPicPr>
+          <p:cNvPr id="1026" name="Picture 2" descr="Apply Inheritance in Python Code - Learn Programming With Python -  OpenClassrooms">
+            <a:extLst>
+              <a:ext uri="{FF2B5EF4-FFF2-40B4-BE49-F238E27FC236}">
+                <a16:creationId xmlns:a16="http://schemas.microsoft.com/office/drawing/2014/main" id="{3F21D0B7-1DF6-2E46-980F-0110CE810277}"/>
+              </a:ext>
+            </a:extLst>
+          </p:cNvPr>
+          <p:cNvPicPr>
+            <a:picLocks noChangeAspect="1" noChangeArrowheads="1"/>
+          </p:cNvPicPr>
+          <p:nvPr/>
+        </p:nvPicPr>
+        <p:blipFill>
+          <a:blip r:embed="rId2">
+            <a:extLst>
+              <a:ext uri="{28A0092B-C50C-407E-A947-70E740481C1C}">
+                <a14:useLocalDpi xmlns:a14="http://schemas.microsoft.com/office/drawing/2010/main" val="0"/>
+              </a:ext>
+            </a:extLst>
+          </a:blip>
+          <a:srcRect/>
+          <a:stretch>
+            <a:fillRect/>
+          </a:stretch>
+        </p:blipFill>
+        <p:spPr bwMode="auto">
+          <a:xfrm>
+            <a:off x="1663700" y="628650"/>
+            <a:ext cx="8864600" cy="5600700"/>
+          </a:xfrm>
+          <a:prstGeom prst="rect">
+            <a:avLst/>
+          </a:prstGeom>
+          <a:noFill/>
+          <a:extLst>
+            <a:ext uri="{909E8E84-426E-40DD-AFC4-6F175D3DCCD1}">
+              <a14:hiddenFill xmlns:a14="http://schemas.microsoft.com/office/drawing/2010/main">
+                <a:solidFill>
+                  <a:srgbClr val="FFFFFF"/>
+                </a:solidFill>
+              </a14:hiddenFill>
+            </a:ext>
+          </a:extLst>
+        </p:spPr>
+      </p:pic>
+    </p:spTree>
+    <p:extLst>
+      <p:ext uri="{BB962C8B-B14F-4D97-AF65-F5344CB8AC3E}">
+        <p14:creationId xmlns:p14="http://schemas.microsoft.com/office/powerpoint/2010/main" val="976712185"/>
+      </p:ext>
+    </p:extLst>
+  </p:cSld>
+  <p:clrMapOvr>
+    <a:masterClrMapping/>
+  </p:clrMapOvr>
+</p:sld>
+</file>
+
+<file path=ppt/slides/slide12.xml><?xml version="1.0" encoding="utf-8"?>
+<p:sld xmlns:a="http://schemas.openxmlformats.org/drawingml/2006/main" xmlns:r="http://schemas.openxmlformats.org/officeDocument/2006/relationships" xmlns:p="http://schemas.openxmlformats.org/presentationml/2006/main">
+  <p:cSld>
+    <p:bg>
+      <p:bgPr>
+        <a:gradFill rotWithShape="1">
+          <a:gsLst>
+            <a:gs pos="0">
+              <a:schemeClr val="bg2">
+                <a:tint val="94000"/>
+                <a:satMod val="80000"/>
+                <a:lumMod val="106000"/>
+              </a:schemeClr>
+            </a:gs>
+            <a:gs pos="100000">
+              <a:schemeClr val="bg2">
+                <a:shade val="80000"/>
+              </a:schemeClr>
+            </a:gs>
+          </a:gsLst>
+          <a:path path="circle">
+            <a:fillToRect l="43000" r="43000" b="100000"/>
+          </a:path>
+        </a:gradFill>
+        <a:effectLst/>
+      </p:bgPr>
+    </p:bg>
+    <p:spTree>
+      <p:nvGrpSpPr>
+        <p:cNvPr id="1" name=""/>
+        <p:cNvGrpSpPr/>
+        <p:nvPr/>
+      </p:nvGrpSpPr>
+      <p:grpSpPr>
+        <a:xfrm>
+          <a:off x="0" y="0"/>
+          <a:ext cx="0" cy="0"/>
+          <a:chOff x="0" y="0"/>
+          <a:chExt cx="0" cy="0"/>
+        </a:xfrm>
+      </p:grpSpPr>
+      <p:sp>
+        <p:nvSpPr>
+          <p:cNvPr id="2" name="Title 1">
+            <a:extLst>
+              <a:ext uri="{FF2B5EF4-FFF2-40B4-BE49-F238E27FC236}">
+                <a16:creationId xmlns:a16="http://schemas.microsoft.com/office/drawing/2014/main" id="{C206BB19-B4A0-8B95-F465-1441020823CE}"/>
+              </a:ext>
+            </a:extLst>
+          </p:cNvPr>
+          <p:cNvSpPr>
+            <a:spLocks noGrp="1"/>
+          </p:cNvSpPr>
+          <p:nvPr>
+            <p:ph type="title"/>
+          </p:nvPr>
+        </p:nvSpPr>
+        <p:spPr>
+          <a:xfrm>
+            <a:off x="1451579" y="804519"/>
+            <a:ext cx="9603275" cy="1049235"/>
+          </a:xfrm>
+        </p:spPr>
+        <p:txBody>
+          <a:bodyPr>
+            <a:normAutofit/>
+          </a:bodyPr>
+          <a:lstStyle/>
+          <a:p>
+            <a:r>
+              <a:rPr lang="en-US" dirty="0"/>
+              <a:t>Making Subclasses</a:t>
+            </a:r>
+          </a:p>
+        </p:txBody>
+      </p:sp>
+      <p:sp>
+        <p:nvSpPr>
+          <p:cNvPr id="3" name="Content Placeholder 2">
+            <a:extLst>
+              <a:ext uri="{FF2B5EF4-FFF2-40B4-BE49-F238E27FC236}">
+                <a16:creationId xmlns:a16="http://schemas.microsoft.com/office/drawing/2014/main" id="{B3D80F80-D840-3D14-7675-75F6CD6D504E}"/>
+              </a:ext>
+            </a:extLst>
+          </p:cNvPr>
+          <p:cNvSpPr>
+            <a:spLocks noGrp="1"/>
+          </p:cNvSpPr>
+          <p:nvPr>
+            <p:ph idx="1"/>
+          </p:nvPr>
+        </p:nvSpPr>
+        <p:spPr>
+          <a:xfrm>
+            <a:off x="1451579" y="2015734"/>
+            <a:ext cx="4538516" cy="4007846"/>
+          </a:xfrm>
+        </p:spPr>
+        <p:txBody>
+          <a:bodyPr>
+            <a:normAutofit/>
+          </a:bodyPr>
+          <a:lstStyle/>
+          <a:p>
+            <a:r>
+              <a:rPr lang="en-US" sz="2400" dirty="0"/>
+              <a:t>We can make a subclass by just putting the parent class in the class declaration. </a:t>
+            </a:r>
+          </a:p>
+          <a:p>
+            <a:r>
+              <a:rPr lang="en-US" sz="2400" dirty="0"/>
+              <a:t>Most things about working with a subclass don’t really change, but there are a few special considerations…</a:t>
+            </a:r>
+          </a:p>
+        </p:txBody>
+      </p:sp>
+      <p:pic>
+        <p:nvPicPr>
+          <p:cNvPr id="8194" name="Picture 2" descr="Inheritance and Composition in Python | by Carbone Nicolas | Medium">
+            <a:extLst>
+              <a:ext uri="{FF2B5EF4-FFF2-40B4-BE49-F238E27FC236}">
+                <a16:creationId xmlns:a16="http://schemas.microsoft.com/office/drawing/2014/main" id="{C1FA8EA5-FD5C-A3C4-FA62-F273818DACC5}"/>
+              </a:ext>
+            </a:extLst>
+          </p:cNvPr>
+          <p:cNvPicPr>
+            <a:picLocks noChangeAspect="1" noChangeArrowheads="1"/>
+          </p:cNvPicPr>
+          <p:nvPr/>
+        </p:nvPicPr>
+        <p:blipFill>
+          <a:blip r:embed="rId2">
+            <a:extLst>
+              <a:ext uri="{28A0092B-C50C-407E-A947-70E740481C1C}">
+                <a14:useLocalDpi xmlns:a14="http://schemas.microsoft.com/office/drawing/2010/main" val="0"/>
+              </a:ext>
+            </a:extLst>
+          </a:blip>
+          <a:stretch>
+            <a:fillRect/>
+          </a:stretch>
+        </p:blipFill>
+        <p:spPr bwMode="auto">
+          <a:xfrm>
+            <a:off x="6094411" y="2045635"/>
+            <a:ext cx="5863110" cy="4007846"/>
+          </a:xfrm>
+          <a:prstGeom prst="rect">
+            <a:avLst/>
+          </a:prstGeom>
+          <a:noFill/>
+          <a:extLst>
+            <a:ext uri="{909E8E84-426E-40DD-AFC4-6F175D3DCCD1}">
+              <a14:hiddenFill xmlns:a14="http://schemas.microsoft.com/office/drawing/2010/main">
+                <a:solidFill>
+                  <a:srgbClr val="FFFFFF"/>
+                </a:solidFill>
+              </a14:hiddenFill>
+            </a:ext>
+          </a:extLst>
+        </p:spPr>
+      </p:pic>
+    </p:spTree>
+    <p:extLst>
+      <p:ext uri="{BB962C8B-B14F-4D97-AF65-F5344CB8AC3E}">
+        <p14:creationId xmlns:p14="http://schemas.microsoft.com/office/powerpoint/2010/main" val="3078941210"/>
+      </p:ext>
+    </p:extLst>
+  </p:cSld>
+  <p:clrMapOvr>
+    <a:masterClrMapping/>
+  </p:clrMapOvr>
+</p:sld>
+</file>
+
+<file path=ppt/slides/slide13.xml><?xml version="1.0" encoding="utf-8"?>
+<p:sld xmlns:a="http://schemas.openxmlformats.org/drawingml/2006/main" xmlns:r="http://schemas.openxmlformats.org/officeDocument/2006/relationships" xmlns:p="http://schemas.openxmlformats.org/presentationml/2006/main">
+  <p:cSld>
+    <p:spTree>
+      <p:nvGrpSpPr>
+        <p:cNvPr id="1" name=""/>
+        <p:cNvGrpSpPr/>
+        <p:nvPr/>
+      </p:nvGrpSpPr>
+      <p:grpSpPr>
+        <a:xfrm>
+          <a:off x="0" y="0"/>
+          <a:ext cx="0" cy="0"/>
+          <a:chOff x="0" y="0"/>
+          <a:chExt cx="0" cy="0"/>
+        </a:xfrm>
+      </p:grpSpPr>
+      <p:sp>
+        <p:nvSpPr>
+          <p:cNvPr id="2" name="Title 1">
+            <a:extLst>
+              <a:ext uri="{FF2B5EF4-FFF2-40B4-BE49-F238E27FC236}">
+                <a16:creationId xmlns:a16="http://schemas.microsoft.com/office/drawing/2014/main" id="{67DDCFED-9390-1B74-CF69-AB3F47E25D25}"/>
+              </a:ext>
+            </a:extLst>
+          </p:cNvPr>
+          <p:cNvSpPr>
+            <a:spLocks noGrp="1"/>
+          </p:cNvSpPr>
+          <p:nvPr>
+            <p:ph type="title"/>
+          </p:nvPr>
+        </p:nvSpPr>
+        <p:spPr/>
+        <p:txBody>
+          <a:bodyPr/>
+          <a:lstStyle/>
+          <a:p>
+            <a:r>
+              <a:rPr lang="en-US" dirty="0"/>
+              <a:t>Construction and Super()</a:t>
+            </a:r>
+          </a:p>
+        </p:txBody>
+      </p:sp>
+      <p:sp>
+        <p:nvSpPr>
+          <p:cNvPr id="3" name="Content Placeholder 2">
+            <a:extLst>
+              <a:ext uri="{FF2B5EF4-FFF2-40B4-BE49-F238E27FC236}">
+                <a16:creationId xmlns:a16="http://schemas.microsoft.com/office/drawing/2014/main" id="{76D5EB45-FE96-C54E-5D11-79720EB23BAA}"/>
+              </a:ext>
+            </a:extLst>
+          </p:cNvPr>
+          <p:cNvSpPr>
+            <a:spLocks noGrp="1"/>
+          </p:cNvSpPr>
+          <p:nvPr>
+            <p:ph idx="1"/>
+          </p:nvPr>
+        </p:nvSpPr>
+        <p:spPr>
+          <a:xfrm>
+            <a:off x="444843" y="1853754"/>
+            <a:ext cx="10610011" cy="4199727"/>
+          </a:xfrm>
+        </p:spPr>
+        <p:txBody>
+          <a:bodyPr>
+            <a:normAutofit lnSpcReduction="10000"/>
+          </a:bodyPr>
+          <a:lstStyle/>
+          <a:p>
+            <a:r>
+              <a:rPr lang="en-US" dirty="0"/>
+              <a:t>When creating an object we call the constructor to set the initial state. </a:t>
+            </a:r>
+          </a:p>
+          <a:p>
+            <a:pPr lvl="1"/>
+            <a:r>
+              <a:rPr lang="en-US" dirty="0"/>
+              <a:t>State is what the object “is” - mainly setting the instance variables. </a:t>
+            </a:r>
+          </a:p>
+          <a:p>
+            <a:r>
+              <a:rPr lang="en-US" dirty="0"/>
+              <a:t>When creating a child object, we have a 2 (or more) step process:</a:t>
+            </a:r>
+          </a:p>
+          <a:p>
+            <a:pPr lvl="1"/>
+            <a:r>
+              <a:rPr lang="en-US" dirty="0"/>
+              <a:t>Make the parent. </a:t>
+            </a:r>
+          </a:p>
+          <a:p>
+            <a:pPr lvl="1"/>
+            <a:r>
+              <a:rPr lang="en-US" dirty="0"/>
+              <a:t>Add the child parts. </a:t>
+            </a:r>
+          </a:p>
+          <a:p>
+            <a:pPr lvl="1"/>
+            <a:r>
+              <a:rPr lang="en-US" dirty="0"/>
+              <a:t>I.e. when we create a “Cat” we are making an animal, and adding cat stuff on like meow(). </a:t>
+            </a:r>
+          </a:p>
+          <a:p>
+            <a:r>
+              <a:rPr lang="en-US" dirty="0"/>
+              <a:t>The super() function call will go call the method in the parent. </a:t>
+            </a:r>
+          </a:p>
+          <a:p>
+            <a:pPr lvl="1"/>
+            <a:r>
+              <a:rPr lang="en-US" dirty="0"/>
+              <a:t>Super is an inheritance specific special method that will find “this method” in the parent. </a:t>
+            </a:r>
+          </a:p>
+          <a:p>
+            <a:pPr lvl="1"/>
+            <a:r>
+              <a:rPr lang="en-US" dirty="0"/>
+              <a:t>Super can also be called in other methods, and will call the parent version directly. </a:t>
+            </a:r>
+          </a:p>
+          <a:p>
+            <a:r>
+              <a:rPr lang="en-US" dirty="0"/>
+              <a:t>In a constructer we usually super(), then set any child specific attributes. </a:t>
+            </a:r>
+          </a:p>
+        </p:txBody>
+      </p:sp>
+      <p:pic>
+        <p:nvPicPr>
+          <p:cNvPr id="5122" name="Picture 2" descr="What does the super()._init() function do in Python? - Quora">
+            <a:extLst>
+              <a:ext uri="{FF2B5EF4-FFF2-40B4-BE49-F238E27FC236}">
+                <a16:creationId xmlns:a16="http://schemas.microsoft.com/office/drawing/2014/main" id="{9E2B8500-406A-9ED4-AE97-5B37557F7EC5}"/>
+              </a:ext>
+            </a:extLst>
+          </p:cNvPr>
+          <p:cNvPicPr>
+            <a:picLocks noChangeAspect="1" noChangeArrowheads="1"/>
+          </p:cNvPicPr>
+          <p:nvPr/>
+        </p:nvPicPr>
+        <p:blipFill rotWithShape="1">
+          <a:blip r:embed="rId2">
+            <a:extLst>
+              <a:ext uri="{28A0092B-C50C-407E-A947-70E740481C1C}">
+                <a14:useLocalDpi xmlns:a14="http://schemas.microsoft.com/office/drawing/2010/main" val="0"/>
+              </a:ext>
+            </a:extLst>
+          </a:blip>
+          <a:srcRect t="14447" r="48599"/>
+          <a:stretch/>
+        </p:blipFill>
+        <p:spPr bwMode="auto">
+          <a:xfrm>
+            <a:off x="8262208" y="0"/>
+            <a:ext cx="3929792" cy="3400818"/>
+          </a:xfrm>
+          <a:prstGeom prst="rect">
+            <a:avLst/>
+          </a:prstGeom>
+          <a:noFill/>
+          <a:extLst>
+            <a:ext uri="{909E8E84-426E-40DD-AFC4-6F175D3DCCD1}">
+              <a14:hiddenFill xmlns:a14="http://schemas.microsoft.com/office/drawing/2010/main">
+                <a:solidFill>
+                  <a:srgbClr val="FFFFFF"/>
+                </a:solidFill>
+              </a14:hiddenFill>
+            </a:ext>
+          </a:extLst>
+        </p:spPr>
+      </p:pic>
+    </p:spTree>
+    <p:extLst>
+      <p:ext uri="{BB962C8B-B14F-4D97-AF65-F5344CB8AC3E}">
+        <p14:creationId xmlns:p14="http://schemas.microsoft.com/office/powerpoint/2010/main" val="2908609256"/>
+      </p:ext>
+    </p:extLst>
+  </p:cSld>
+  <p:clrMapOvr>
+    <a:masterClrMapping/>
+  </p:clrMapOvr>
+</p:sld>
+</file>
+
+<file path=ppt/slides/slide14.xml><?xml version="1.0" encoding="utf-8"?>
+<p:sld xmlns:a="http://schemas.openxmlformats.org/drawingml/2006/main" xmlns:r="http://schemas.openxmlformats.org/officeDocument/2006/relationships" xmlns:p="http://schemas.openxmlformats.org/presentationml/2006/main">
+  <p:cSld>
+    <p:spTree>
+      <p:nvGrpSpPr>
+        <p:cNvPr id="1" name=""/>
+        <p:cNvGrpSpPr/>
+        <p:nvPr/>
+      </p:nvGrpSpPr>
+      <p:grpSpPr>
+        <a:xfrm>
+          <a:off x="0" y="0"/>
+          <a:ext cx="0" cy="0"/>
+          <a:chOff x="0" y="0"/>
+          <a:chExt cx="0" cy="0"/>
+        </a:xfrm>
+      </p:grpSpPr>
+      <p:sp>
+        <p:nvSpPr>
+          <p:cNvPr id="2" name="Title 1">
+            <a:extLst>
+              <a:ext uri="{FF2B5EF4-FFF2-40B4-BE49-F238E27FC236}">
+                <a16:creationId xmlns:a16="http://schemas.microsoft.com/office/drawing/2014/main" id="{4157CF27-BCD7-2B80-97F4-18FDA263F9F2}"/>
+              </a:ext>
+            </a:extLst>
+          </p:cNvPr>
+          <p:cNvSpPr>
+            <a:spLocks noGrp="1"/>
+          </p:cNvSpPr>
+          <p:nvPr>
+            <p:ph type="title"/>
+          </p:nvPr>
+        </p:nvSpPr>
+        <p:spPr/>
+        <p:txBody>
+          <a:bodyPr/>
+          <a:lstStyle/>
+          <a:p>
+            <a:r>
+              <a:rPr lang="en-US" dirty="0"/>
+              <a:t>Protected Attributes</a:t>
+            </a:r>
+          </a:p>
+        </p:txBody>
+      </p:sp>
+      <p:sp>
+        <p:nvSpPr>
+          <p:cNvPr id="3" name="Content Placeholder 2">
+            <a:extLst>
+              <a:ext uri="{FF2B5EF4-FFF2-40B4-BE49-F238E27FC236}">
+                <a16:creationId xmlns:a16="http://schemas.microsoft.com/office/drawing/2014/main" id="{6CD6A279-4C4C-A64F-D3CC-74711F6A2C27}"/>
+              </a:ext>
+            </a:extLst>
+          </p:cNvPr>
+          <p:cNvSpPr>
+            <a:spLocks noGrp="1"/>
+          </p:cNvSpPr>
+          <p:nvPr>
+            <p:ph idx="1"/>
+          </p:nvPr>
+        </p:nvSpPr>
+        <p:spPr>
+          <a:xfrm>
+            <a:off x="139147" y="1853753"/>
+            <a:ext cx="11877262" cy="4199727"/>
+          </a:xfrm>
+        </p:spPr>
+        <p:txBody>
+          <a:bodyPr/>
+          <a:lstStyle/>
+          <a:p>
+            <a:r>
+              <a:rPr lang="en-US" dirty="0"/>
+              <a:t>Inheritance is also the place where the third type of variable is used.</a:t>
+            </a:r>
+          </a:p>
+          <a:p>
+            <a:pPr lvl="1"/>
+            <a:r>
+              <a:rPr lang="en-US" dirty="0"/>
+              <a:t>Public (normal) variables are available outside classes. </a:t>
+            </a:r>
+          </a:p>
+          <a:p>
+            <a:pPr lvl="1"/>
+            <a:r>
+              <a:rPr lang="en-US" dirty="0"/>
+              <a:t>Private variables are only available within a class (nominally). </a:t>
+            </a:r>
+          </a:p>
+          <a:p>
+            <a:r>
+              <a:rPr lang="en-US" dirty="0"/>
+              <a:t>Protected variables are available within a class and its subclasses. </a:t>
+            </a:r>
+          </a:p>
+          <a:p>
+            <a:pPr lvl="1"/>
+            <a:r>
+              <a:rPr lang="en-US" dirty="0"/>
+              <a:t>Like private variables from the outside, and normal variables from the subclass perspective. </a:t>
+            </a:r>
+          </a:p>
+          <a:p>
+            <a:r>
+              <a:rPr lang="en-US" dirty="0"/>
+              <a:t>For example, consider employees at Air Canada (more or less actually true):</a:t>
+            </a:r>
+          </a:p>
+          <a:p>
+            <a:pPr lvl="1"/>
+            <a:r>
+              <a:rPr lang="en-US" dirty="0"/>
+              <a:t>Employees have normal attributes like name, ID, </a:t>
+            </a:r>
+            <a:r>
+              <a:rPr lang="en-US" dirty="0" err="1"/>
+              <a:t>etc</a:t>
+            </a:r>
+            <a:r>
+              <a:rPr lang="en-US" dirty="0"/>
+              <a:t>…</a:t>
+            </a:r>
+          </a:p>
+          <a:p>
+            <a:pPr lvl="1"/>
+            <a:r>
+              <a:rPr lang="en-US" dirty="0"/>
+              <a:t>“Flight Crew” (pilots and flight attendants) add additional security permissions and ‘protected’ clearance information. </a:t>
+            </a:r>
+          </a:p>
+          <a:p>
+            <a:pPr lvl="1"/>
+            <a:r>
+              <a:rPr lang="en-US" dirty="0"/>
+              <a:t>Pilots add even more private information for security clearance. </a:t>
+            </a:r>
+          </a:p>
+          <a:p>
+            <a:pPr lvl="1"/>
+            <a:r>
+              <a:rPr lang="en-US" dirty="0"/>
+              <a:t>The lesser clearance level information for pilots is visible to the Pilot object, but hidden to the outside world. </a:t>
+            </a:r>
+          </a:p>
+        </p:txBody>
+      </p:sp>
+      <p:pic>
+        <p:nvPicPr>
+          <p:cNvPr id="4" name="Picture 3">
+            <a:extLst>
+              <a:ext uri="{FF2B5EF4-FFF2-40B4-BE49-F238E27FC236}">
+                <a16:creationId xmlns:a16="http://schemas.microsoft.com/office/drawing/2014/main" id="{77272328-4F84-F3C5-63DD-9DD0503079FC}"/>
+              </a:ext>
+            </a:extLst>
+          </p:cNvPr>
+          <p:cNvPicPr>
+            <a:picLocks noChangeAspect="1"/>
+          </p:cNvPicPr>
+          <p:nvPr/>
+        </p:nvPicPr>
+        <p:blipFill rotWithShape="1">
+          <a:blip r:embed="rId2"/>
+          <a:srcRect l="12595"/>
+          <a:stretch/>
+        </p:blipFill>
+        <p:spPr>
+          <a:xfrm>
+            <a:off x="9156724" y="0"/>
+            <a:ext cx="3035276" cy="3429000"/>
+          </a:xfrm>
+          <a:prstGeom prst="rect">
+            <a:avLst/>
+          </a:prstGeom>
+        </p:spPr>
+      </p:pic>
+    </p:spTree>
+    <p:extLst>
+      <p:ext uri="{BB962C8B-B14F-4D97-AF65-F5344CB8AC3E}">
+        <p14:creationId xmlns:p14="http://schemas.microsoft.com/office/powerpoint/2010/main" val="3092955313"/>
+      </p:ext>
+    </p:extLst>
+  </p:cSld>
+  <p:clrMapOvr>
+    <a:masterClrMapping/>
+  </p:clrMapOvr>
+</p:sld>
+</file>
+
+<file path=ppt/slides/slide15.xml><?xml version="1.0" encoding="utf-8"?>
+<p:sld xmlns:a="http://schemas.openxmlformats.org/drawingml/2006/main" xmlns:r="http://schemas.openxmlformats.org/officeDocument/2006/relationships" xmlns:p="http://schemas.openxmlformats.org/presentationml/2006/main">
+  <p:cSld>
+    <p:spTree>
+      <p:nvGrpSpPr>
+        <p:cNvPr id="1" name=""/>
+        <p:cNvGrpSpPr/>
+        <p:nvPr/>
+      </p:nvGrpSpPr>
+      <p:grpSpPr>
+        <a:xfrm>
+          <a:off x="0" y="0"/>
+          <a:ext cx="0" cy="0"/>
+          <a:chOff x="0" y="0"/>
+          <a:chExt cx="0" cy="0"/>
+        </a:xfrm>
+      </p:grpSpPr>
+      <p:sp>
+        <p:nvSpPr>
+          <p:cNvPr id="2" name="Title 1">
+            <a:extLst>
+              <a:ext uri="{FF2B5EF4-FFF2-40B4-BE49-F238E27FC236}">
                 <a16:creationId xmlns:a16="http://schemas.microsoft.com/office/drawing/2014/main" id="{ECAF0C93-4A7C-A896-D9FA-72AF667FCB16}"/>
               </a:ext>
             </a:extLst>
@@ -3872,7 +4795,7 @@
 </p:sld>
 </file>
 
-<file path=ppt/slides/slide11.xml><?xml version="1.0" encoding="utf-8"?>
+<file path=ppt/slides/slide16.xml><?xml version="1.0" encoding="utf-8"?>
 <p:sld xmlns:a="http://schemas.openxmlformats.org/drawingml/2006/main" xmlns:r="http://schemas.openxmlformats.org/officeDocument/2006/relationships" xmlns:p="http://schemas.openxmlformats.org/presentationml/2006/main">
   <p:cSld>
     <p:spTree>
@@ -3999,13 +4922,8 @@
             <a:pPr lvl="1"/>
             <a:r>
               <a:rPr lang="en-US" dirty="0"/>
-              <a:t>E.g. if we read a value from a CSV into a variable and print it, that var could be string </a:t>
-            </a:r>
-            <a:r>
-              <a:rPr lang="en-US"/>
-              <a:t>or float. </a:t>
-            </a:r>
-            <a:endParaRPr lang="en-US" dirty="0"/>
+              <a:t>E.g. if we read a value from a CSV into a variable and print it, that var could be string or float. </a:t>
+            </a:r>
           </a:p>
         </p:txBody>
       </p:sp>
@@ -4022,7 +4940,7 @@
 </p:sld>
 </file>
 
-<file path=ppt/slides/slide12.xml><?xml version="1.0" encoding="utf-8"?>
+<file path=ppt/slides/slide17.xml><?xml version="1.0" encoding="utf-8"?>
 <p:sld xmlns:a="http://schemas.openxmlformats.org/drawingml/2006/main" xmlns:r="http://schemas.openxmlformats.org/officeDocument/2006/relationships" xmlns:p="http://schemas.openxmlformats.org/presentationml/2006/main">
   <p:cSld>
     <p:spTree>
@@ -4085,12 +5003,14 @@
         </p:nvSpPr>
         <p:spPr>
           <a:xfrm>
-            <a:off x="1451579" y="2015732"/>
-            <a:ext cx="9603275" cy="4037749"/>
-          </a:xfrm>
-        </p:spPr>
-        <p:txBody>
-          <a:bodyPr/>
+            <a:off x="1193261" y="2015732"/>
+            <a:ext cx="10013004" cy="4037749"/>
+          </a:xfrm>
+        </p:spPr>
+        <p:txBody>
+          <a:bodyPr>
+            <a:normAutofit/>
+          </a:bodyPr>
           <a:lstStyle/>
           <a:p>
             <a:r>
@@ -4119,7 +5039,38 @@
             </a:r>
           </a:p>
           <a:p>
-            <a:endParaRPr lang="en-US" dirty="0"/>
+            <a:r>
+              <a:rPr lang="en-US" dirty="0"/>
+              <a:t>When we create objects, there is no inherent answer on what is a class and subclass. </a:t>
+            </a:r>
+          </a:p>
+          <a:p>
+            <a:pPr lvl="1"/>
+            <a:r>
+              <a:rPr lang="en-US" dirty="0"/>
+              <a:t>E.g. should Amazon have books and a type variable, or fiction and non-fiction subclasses? </a:t>
+            </a:r>
+          </a:p>
+          <a:p>
+            <a:pPr lvl="1"/>
+            <a:r>
+              <a:rPr lang="en-US" dirty="0"/>
+              <a:t>As a rule of thumb, if we want things to ’behave differently’ we should consider a subclass. </a:t>
+            </a:r>
+          </a:p>
+          <a:p>
+            <a:pPr lvl="1"/>
+            <a:r>
+              <a:rPr lang="en-US" dirty="0"/>
+              <a:t>If some methods or actions need to work differently, we can consider a subclass. </a:t>
+            </a:r>
+          </a:p>
+          <a:p>
+            <a:pPr lvl="1"/>
+            <a:r>
+              <a:rPr lang="en-US" dirty="0"/>
+              <a:t>If we find ourselves “wrapping” logic around other objects (e.g. if this, then do that), consider it. </a:t>
+            </a:r>
           </a:p>
         </p:txBody>
       </p:sp>
@@ -4244,7 +5195,7 @@
           <p:cNvPr id="2" name="Title 1">
             <a:extLst>
               <a:ext uri="{FF2B5EF4-FFF2-40B4-BE49-F238E27FC236}">
-                <a16:creationId xmlns:a16="http://schemas.microsoft.com/office/drawing/2014/main" id="{530F156D-B6D3-CCA7-8374-6593E78D540F}"/>
+                <a16:creationId xmlns:a16="http://schemas.microsoft.com/office/drawing/2014/main" id="{BF78C8A5-EA9C-D533-6F90-031C0F00D6C7}"/>
               </a:ext>
             </a:extLst>
           </p:cNvPr>
@@ -4262,7 +5213,7 @@
           <a:p>
             <a:r>
               <a:rPr lang="en-US" dirty="0"/>
-              <a:t>Inheritance</a:t>
+              <a:t>Object Oriented Programming</a:t>
             </a:r>
           </a:p>
         </p:txBody>
@@ -4272,7 +5223,7 @@
           <p:cNvPr id="3" name="Content Placeholder 2">
             <a:extLst>
               <a:ext uri="{FF2B5EF4-FFF2-40B4-BE49-F238E27FC236}">
-                <a16:creationId xmlns:a16="http://schemas.microsoft.com/office/drawing/2014/main" id="{FA7357E8-6C4C-CEA2-E173-D32DBA44D764}"/>
+                <a16:creationId xmlns:a16="http://schemas.microsoft.com/office/drawing/2014/main" id="{25B86B9E-B0E8-E9B1-05F3-F86E3BAB5CD9}"/>
               </a:ext>
             </a:extLst>
           </p:cNvPr>
@@ -4285,63 +5236,100 @@
         </p:nvSpPr>
         <p:spPr>
           <a:xfrm>
-            <a:off x="1451579" y="2015732"/>
-            <a:ext cx="9603275" cy="4037749"/>
-          </a:xfrm>
-        </p:spPr>
-        <p:txBody>
-          <a:bodyPr/>
-          <a:lstStyle/>
-          <a:p>
-            <a:r>
-              <a:rPr lang="en-US" dirty="0"/>
-              <a:t>We have used classes to make objects that can hold information and abilities. </a:t>
-            </a:r>
-          </a:p>
-          <a:p>
-            <a:r>
-              <a:rPr lang="en-US" dirty="0"/>
-              <a:t>Sometimes we have classes of things that are very similar or have overlapping qualities. </a:t>
-            </a:r>
-          </a:p>
-          <a:p>
-            <a:r>
-              <a:rPr lang="en-US" dirty="0"/>
-              <a:t>For example, in an LMS like Moodle there are many classes:</a:t>
-            </a:r>
-          </a:p>
-          <a:p>
-            <a:pPr lvl="1"/>
-            <a:r>
-              <a:rPr lang="en-US" dirty="0"/>
-              <a:t>Some are normal in-person classes. </a:t>
-            </a:r>
-          </a:p>
-          <a:p>
-            <a:pPr lvl="1"/>
-            <a:r>
-              <a:rPr lang="en-US" dirty="0"/>
-              <a:t>Some are online virtual ones like this. </a:t>
-            </a:r>
-          </a:p>
-          <a:p>
-            <a:pPr lvl="1"/>
-            <a:r>
-              <a:rPr lang="en-US" dirty="0"/>
-              <a:t>These classes share lots of things (id number, time, semester) but differ in others (room, sharing URL, etc..)</a:t>
-            </a:r>
-          </a:p>
-          <a:p>
-            <a:r>
-              <a:rPr lang="en-US" dirty="0"/>
-              <a:t>We could make classes that model these objects, and they would be very similar. </a:t>
-            </a:r>
-          </a:p>
-          <a:p>
-            <a:pPr lvl="1"/>
-            <a:r>
-              <a:rPr lang="en-US" dirty="0"/>
-              <a:t>Programmers are lazy, and repeating code is bad – there must be a better way. </a:t>
+            <a:off x="1451579" y="1900136"/>
+            <a:ext cx="9603275" cy="4153345"/>
+          </a:xfrm>
+        </p:spPr>
+        <p:txBody>
+          <a:bodyPr>
+            <a:normAutofit fontScale="85000" lnSpcReduction="20000"/>
+          </a:bodyPr>
+          <a:lstStyle/>
+          <a:p>
+            <a:r>
+              <a:rPr lang="en-US" dirty="0"/>
+              <a:t>Objects oriented programming is built on a few concepts, some we’ve looked at. </a:t>
+            </a:r>
+          </a:p>
+          <a:p>
+            <a:r>
+              <a:rPr lang="en-US" dirty="0"/>
+              <a:t>Abstraction:</a:t>
+            </a:r>
+          </a:p>
+          <a:p>
+            <a:pPr lvl="1"/>
+            <a:r>
+              <a:rPr lang="en-US" dirty="0"/>
+              <a:t>We can present “user friendly” abstractions of objects, and hide the inner implementation. </a:t>
+            </a:r>
+          </a:p>
+          <a:p>
+            <a:pPr lvl="1"/>
+            <a:r>
+              <a:rPr lang="en-US" dirty="0"/>
+              <a:t>E.g. we don’t need to worry about how a list is printed, we can just ask for what we want. </a:t>
+            </a:r>
+          </a:p>
+          <a:p>
+            <a:r>
+              <a:rPr lang="en-US" dirty="0"/>
+              <a:t>Encapsulation:</a:t>
+            </a:r>
+          </a:p>
+          <a:p>
+            <a:pPr lvl="1"/>
+            <a:r>
+              <a:rPr lang="en-US" dirty="0"/>
+              <a:t>We can “wrap” an entire object (attributes and methods) into one unitary item. </a:t>
+            </a:r>
+          </a:p>
+          <a:p>
+            <a:pPr lvl="1"/>
+            <a:r>
+              <a:rPr lang="en-US" dirty="0"/>
+              <a:t>E.g. a </a:t>
+            </a:r>
+            <a:r>
+              <a:rPr lang="en-US" dirty="0" err="1"/>
+              <a:t>dataframe</a:t>
+            </a:r>
+            <a:r>
+              <a:rPr lang="en-US" dirty="0"/>
+              <a:t> isn’t a “grid of values” that we interact with, we interact with the object. </a:t>
+            </a:r>
+          </a:p>
+          <a:p>
+            <a:r>
+              <a:rPr lang="en-US" dirty="0"/>
+              <a:t>Polymorphism (a little bit today):</a:t>
+            </a:r>
+          </a:p>
+          <a:p>
+            <a:pPr lvl="1"/>
+            <a:r>
+              <a:rPr lang="en-US" dirty="0"/>
+              <a:t>Different objects can be processed different through the same interactions. </a:t>
+            </a:r>
+          </a:p>
+          <a:p>
+            <a:pPr lvl="1"/>
+            <a:r>
+              <a:rPr lang="en-US" dirty="0"/>
+              <a:t>E.g. when adding strings and integers, the same operation does different actions. </a:t>
+            </a:r>
+          </a:p>
+          <a:p>
+            <a:r>
+              <a:rPr lang="en-US" dirty="0"/>
+              <a:t>Inheritance:</a:t>
+            </a:r>
+          </a:p>
+          <a:p>
+            <a:pPr lvl="1"/>
+            <a:r>
+              <a:rPr lang="en-US" dirty="0"/>
+              <a:t>We can create subtypes, or extend classes to make them different. More on this now…</a:t>
             </a:r>
           </a:p>
         </p:txBody>
@@ -4349,7 +5337,7 @@
     </p:spTree>
     <p:extLst>
       <p:ext uri="{BB962C8B-B14F-4D97-AF65-F5344CB8AC3E}">
-        <p14:creationId xmlns:p14="http://schemas.microsoft.com/office/powerpoint/2010/main" val="631971470"/>
+        <p14:creationId xmlns:p14="http://schemas.microsoft.com/office/powerpoint/2010/main" val="1517701001"/>
       </p:ext>
     </p:extLst>
   </p:cSld>
@@ -4381,6 +5369,438 @@
           <p:cNvPr id="2" name="Title 1">
             <a:extLst>
               <a:ext uri="{FF2B5EF4-FFF2-40B4-BE49-F238E27FC236}">
+                <a16:creationId xmlns:a16="http://schemas.microsoft.com/office/drawing/2014/main" id="{54E05266-251D-73BF-5BB0-5CF434951837}"/>
+              </a:ext>
+            </a:extLst>
+          </p:cNvPr>
+          <p:cNvSpPr>
+            <a:spLocks noGrp="1"/>
+          </p:cNvSpPr>
+          <p:nvPr>
+            <p:ph type="title"/>
+          </p:nvPr>
+        </p:nvSpPr>
+        <p:spPr/>
+        <p:txBody>
+          <a:bodyPr/>
+          <a:lstStyle/>
+          <a:p>
+            <a:r>
+              <a:rPr lang="en-US" dirty="0"/>
+              <a:t>OOP Building Blocks</a:t>
+            </a:r>
+          </a:p>
+        </p:txBody>
+      </p:sp>
+      <p:sp>
+        <p:nvSpPr>
+          <p:cNvPr id="3" name="Content Placeholder 2">
+            <a:extLst>
+              <a:ext uri="{FF2B5EF4-FFF2-40B4-BE49-F238E27FC236}">
+                <a16:creationId xmlns:a16="http://schemas.microsoft.com/office/drawing/2014/main" id="{9D74DB64-A28B-6831-FE4D-266439B4DC1C}"/>
+              </a:ext>
+            </a:extLst>
+          </p:cNvPr>
+          <p:cNvSpPr>
+            <a:spLocks noGrp="1"/>
+          </p:cNvSpPr>
+          <p:nvPr>
+            <p:ph idx="1"/>
+          </p:nvPr>
+        </p:nvSpPr>
+        <p:spPr>
+          <a:xfrm>
+            <a:off x="1451579" y="1853754"/>
+            <a:ext cx="9603275" cy="4248731"/>
+          </a:xfrm>
+        </p:spPr>
+        <p:txBody>
+          <a:bodyPr>
+            <a:normAutofit lnSpcReduction="10000"/>
+          </a:bodyPr>
+          <a:lstStyle/>
+          <a:p>
+            <a:r>
+              <a:rPr lang="en-US" dirty="0"/>
+              <a:t>These pillars are the foundation of object-oriented programming. </a:t>
+            </a:r>
+          </a:p>
+          <a:p>
+            <a:pPr lvl="1"/>
+            <a:r>
+              <a:rPr lang="en-US" dirty="0"/>
+              <a:t>In OOP we orient our thinking and code around objects that represent ‘real’ things, and manipulating them. Contrasted with orienting our program around functions. </a:t>
+            </a:r>
+          </a:p>
+          <a:p>
+            <a:r>
+              <a:rPr lang="en-US" dirty="0"/>
+              <a:t>Building code around “capable” objects has many benefits:</a:t>
+            </a:r>
+          </a:p>
+          <a:p>
+            <a:pPr lvl="1"/>
+            <a:r>
+              <a:rPr lang="en-US" dirty="0"/>
+              <a:t>Code is more reusable, as we can reuse or adjust objects in many scenarios. </a:t>
+            </a:r>
+          </a:p>
+          <a:p>
+            <a:pPr lvl="1"/>
+            <a:r>
+              <a:rPr lang="en-US" dirty="0"/>
+              <a:t>Code is more readable, as we build most of the details into the objects, and present an easier interface with methods and attributes named in more plain language. </a:t>
+            </a:r>
+          </a:p>
+          <a:p>
+            <a:pPr lvl="1"/>
+            <a:r>
+              <a:rPr lang="en-US" dirty="0"/>
+              <a:t>Code is easier to debug, as fewer things are “touchable” directly, rather we go through pre-made methods to do things like update variables. These have (presumably) already been tested. </a:t>
+            </a:r>
+          </a:p>
+          <a:p>
+            <a:r>
+              <a:rPr lang="en-US" dirty="0"/>
+              <a:t>In Python, everything is an object, so these thought patterns are inherent. </a:t>
+            </a:r>
+          </a:p>
+          <a:p>
+            <a:pPr lvl="1"/>
+            <a:r>
+              <a:rPr lang="en-US" dirty="0"/>
+              <a:t>Data science stuff is less object oriented, in general, than ‘other’ domains. </a:t>
+            </a:r>
+          </a:p>
+        </p:txBody>
+      </p:sp>
+    </p:spTree>
+    <p:extLst>
+      <p:ext uri="{BB962C8B-B14F-4D97-AF65-F5344CB8AC3E}">
+        <p14:creationId xmlns:p14="http://schemas.microsoft.com/office/powerpoint/2010/main" val="2464723978"/>
+      </p:ext>
+    </p:extLst>
+  </p:cSld>
+  <p:clrMapOvr>
+    <a:masterClrMapping/>
+  </p:clrMapOvr>
+</p:sld>
+</file>
+
+<file path=ppt/slides/slide5.xml><?xml version="1.0" encoding="utf-8"?>
+<p:sld xmlns:a="http://schemas.openxmlformats.org/drawingml/2006/main" xmlns:r="http://schemas.openxmlformats.org/officeDocument/2006/relationships" xmlns:p="http://schemas.openxmlformats.org/presentationml/2006/main">
+  <p:cSld>
+    <p:spTree>
+      <p:nvGrpSpPr>
+        <p:cNvPr id="1" name=""/>
+        <p:cNvGrpSpPr/>
+        <p:nvPr/>
+      </p:nvGrpSpPr>
+      <p:grpSpPr>
+        <a:xfrm>
+          <a:off x="0" y="0"/>
+          <a:ext cx="0" cy="0"/>
+          <a:chOff x="0" y="0"/>
+          <a:chExt cx="0" cy="0"/>
+        </a:xfrm>
+      </p:grpSpPr>
+      <p:sp>
+        <p:nvSpPr>
+          <p:cNvPr id="2" name="Title 1">
+            <a:extLst>
+              <a:ext uri="{FF2B5EF4-FFF2-40B4-BE49-F238E27FC236}">
+                <a16:creationId xmlns:a16="http://schemas.microsoft.com/office/drawing/2014/main" id="{A4C2CB27-59E8-2994-ACB8-39B49FDF08F5}"/>
+              </a:ext>
+            </a:extLst>
+          </p:cNvPr>
+          <p:cNvSpPr>
+            <a:spLocks noGrp="1"/>
+          </p:cNvSpPr>
+          <p:nvPr>
+            <p:ph type="title"/>
+          </p:nvPr>
+        </p:nvSpPr>
+        <p:spPr/>
+        <p:txBody>
+          <a:bodyPr/>
+          <a:lstStyle/>
+          <a:p>
+            <a:r>
+              <a:rPr lang="en-US" dirty="0"/>
+              <a:t>State</a:t>
+            </a:r>
+          </a:p>
+        </p:txBody>
+      </p:sp>
+      <p:sp>
+        <p:nvSpPr>
+          <p:cNvPr id="3" name="Content Placeholder 2">
+            <a:extLst>
+              <a:ext uri="{FF2B5EF4-FFF2-40B4-BE49-F238E27FC236}">
+                <a16:creationId xmlns:a16="http://schemas.microsoft.com/office/drawing/2014/main" id="{EAC4B01B-D446-1A64-356B-62429E7E0D7E}"/>
+              </a:ext>
+            </a:extLst>
+          </p:cNvPr>
+          <p:cNvSpPr>
+            <a:spLocks noGrp="1"/>
+          </p:cNvSpPr>
+          <p:nvPr>
+            <p:ph idx="1"/>
+          </p:nvPr>
+        </p:nvSpPr>
+        <p:spPr>
+          <a:xfrm>
+            <a:off x="1451579" y="1853754"/>
+            <a:ext cx="9603275" cy="4255216"/>
+          </a:xfrm>
+        </p:spPr>
+        <p:txBody>
+          <a:bodyPr>
+            <a:normAutofit fontScale="92500" lnSpcReduction="10000"/>
+          </a:bodyPr>
+          <a:lstStyle/>
+          <a:p>
+            <a:r>
+              <a:rPr lang="en-US" dirty="0"/>
+              <a:t>One concept to explicitly look at when we talk about objects is their state. </a:t>
+            </a:r>
+          </a:p>
+          <a:p>
+            <a:r>
+              <a:rPr lang="en-US" dirty="0"/>
+              <a:t>The state is basically what that specific object “has”, or it’s instance variables. </a:t>
+            </a:r>
+          </a:p>
+          <a:p>
+            <a:pPr lvl="1"/>
+            <a:r>
+              <a:rPr lang="en-US" dirty="0"/>
+              <a:t>The state of an object makes up what makes it unique. E.g. two Person objects have different names, ages, addresses – their state is different. </a:t>
+            </a:r>
+          </a:p>
+          <a:p>
+            <a:r>
+              <a:rPr lang="en-US" dirty="0"/>
+              <a:t>The constructor function initializes a new object, or creates its state. </a:t>
+            </a:r>
+          </a:p>
+          <a:p>
+            <a:r>
+              <a:rPr lang="en-US" dirty="0"/>
+              <a:t>Each different object that is created has its own state, that defines it. </a:t>
+            </a:r>
+          </a:p>
+          <a:p>
+            <a:pPr lvl="1"/>
+            <a:r>
+              <a:rPr lang="en-US" dirty="0"/>
+              <a:t>When method calls are made to the object, we are (often) modifying its state. </a:t>
+            </a:r>
+          </a:p>
+          <a:p>
+            <a:r>
+              <a:rPr lang="en-US" dirty="0"/>
+              <a:t>In OOP our program creates the objects that model the real scenario at hand, then each step is some manipulation of the state of its objects. </a:t>
+            </a:r>
+          </a:p>
+          <a:p>
+            <a:pPr lvl="1"/>
+            <a:r>
+              <a:rPr lang="en-US" dirty="0"/>
+              <a:t>E.g. a sale creates a ”transaction” object, a name change changes an attribute, loading a product on Amazon’s site reads the state of a ”product” object and displays it. </a:t>
+            </a:r>
+          </a:p>
+        </p:txBody>
+      </p:sp>
+    </p:spTree>
+    <p:extLst>
+      <p:ext uri="{BB962C8B-B14F-4D97-AF65-F5344CB8AC3E}">
+        <p14:creationId xmlns:p14="http://schemas.microsoft.com/office/powerpoint/2010/main" val="1251288173"/>
+      </p:ext>
+    </p:extLst>
+  </p:cSld>
+  <p:clrMapOvr>
+    <a:masterClrMapping/>
+  </p:clrMapOvr>
+</p:sld>
+</file>
+
+<file path=ppt/slides/slide6.xml><?xml version="1.0" encoding="utf-8"?>
+<p:sld xmlns:a="http://schemas.openxmlformats.org/drawingml/2006/main" xmlns:r="http://schemas.openxmlformats.org/officeDocument/2006/relationships" xmlns:p="http://schemas.openxmlformats.org/presentationml/2006/main">
+  <p:cSld>
+    <p:spTree>
+      <p:nvGrpSpPr>
+        <p:cNvPr id="1" name=""/>
+        <p:cNvGrpSpPr/>
+        <p:nvPr/>
+      </p:nvGrpSpPr>
+      <p:grpSpPr>
+        <a:xfrm>
+          <a:off x="0" y="0"/>
+          <a:ext cx="0" cy="0"/>
+          <a:chOff x="0" y="0"/>
+          <a:chExt cx="0" cy="0"/>
+        </a:xfrm>
+      </p:grpSpPr>
+      <p:sp>
+        <p:nvSpPr>
+          <p:cNvPr id="2" name="Title 1">
+            <a:extLst>
+              <a:ext uri="{FF2B5EF4-FFF2-40B4-BE49-F238E27FC236}">
+                <a16:creationId xmlns:a16="http://schemas.microsoft.com/office/drawing/2014/main" id="{530F156D-B6D3-CCA7-8374-6593E78D540F}"/>
+              </a:ext>
+            </a:extLst>
+          </p:cNvPr>
+          <p:cNvSpPr>
+            <a:spLocks noGrp="1"/>
+          </p:cNvSpPr>
+          <p:nvPr>
+            <p:ph type="title"/>
+          </p:nvPr>
+        </p:nvSpPr>
+        <p:spPr/>
+        <p:txBody>
+          <a:bodyPr/>
+          <a:lstStyle/>
+          <a:p>
+            <a:r>
+              <a:rPr lang="en-US" dirty="0"/>
+              <a:t>Inheritance</a:t>
+            </a:r>
+          </a:p>
+        </p:txBody>
+      </p:sp>
+      <p:sp>
+        <p:nvSpPr>
+          <p:cNvPr id="3" name="Content Placeholder 2">
+            <a:extLst>
+              <a:ext uri="{FF2B5EF4-FFF2-40B4-BE49-F238E27FC236}">
+                <a16:creationId xmlns:a16="http://schemas.microsoft.com/office/drawing/2014/main" id="{FA7357E8-6C4C-CEA2-E173-D32DBA44D764}"/>
+              </a:ext>
+            </a:extLst>
+          </p:cNvPr>
+          <p:cNvSpPr>
+            <a:spLocks noGrp="1"/>
+          </p:cNvSpPr>
+          <p:nvPr>
+            <p:ph idx="1"/>
+          </p:nvPr>
+        </p:nvSpPr>
+        <p:spPr>
+          <a:xfrm>
+            <a:off x="1451579" y="1958502"/>
+            <a:ext cx="9603275" cy="4094979"/>
+          </a:xfrm>
+        </p:spPr>
+        <p:txBody>
+          <a:bodyPr>
+            <a:normAutofit lnSpcReduction="10000"/>
+          </a:bodyPr>
+          <a:lstStyle/>
+          <a:p>
+            <a:r>
+              <a:rPr lang="en-US" dirty="0"/>
+              <a:t>We have used classes to make objects that can hold information and abilities. </a:t>
+            </a:r>
+          </a:p>
+          <a:p>
+            <a:r>
+              <a:rPr lang="en-US" dirty="0"/>
+              <a:t>Sometimes we have classes of things that are very similar or have overlapping qualities. </a:t>
+            </a:r>
+          </a:p>
+          <a:p>
+            <a:r>
+              <a:rPr lang="en-US" dirty="0"/>
+              <a:t>For example, in an LMS like Moodle there are many classes:</a:t>
+            </a:r>
+          </a:p>
+          <a:p>
+            <a:pPr lvl="1"/>
+            <a:r>
+              <a:rPr lang="en-US" dirty="0"/>
+              <a:t>Some are normal in-person classes. </a:t>
+            </a:r>
+          </a:p>
+          <a:p>
+            <a:pPr lvl="1"/>
+            <a:r>
+              <a:rPr lang="en-US" dirty="0"/>
+              <a:t>Some are online virtual ones like this. </a:t>
+            </a:r>
+          </a:p>
+          <a:p>
+            <a:pPr lvl="1"/>
+            <a:r>
+              <a:rPr lang="en-US" dirty="0"/>
+              <a:t>These classes share lots of things (id number, time, semester) but differ in others (room, sharing URL, etc..)</a:t>
+            </a:r>
+          </a:p>
+          <a:p>
+            <a:r>
+              <a:rPr lang="en-US" dirty="0"/>
+              <a:t>We could make classes that model these objects, and they would be very similar. </a:t>
+            </a:r>
+          </a:p>
+          <a:p>
+            <a:pPr lvl="1"/>
+            <a:r>
+              <a:rPr lang="en-US" dirty="0"/>
+              <a:t>Most of the attributes would be identical, like time, semester, course, </a:t>
+            </a:r>
+            <a:r>
+              <a:rPr lang="en-US" dirty="0" err="1"/>
+              <a:t>etc</a:t>
+            </a:r>
+            <a:r>
+              <a:rPr lang="en-US" dirty="0"/>
+              <a:t>…</a:t>
+            </a:r>
+          </a:p>
+          <a:p>
+            <a:pPr lvl="1"/>
+            <a:r>
+              <a:rPr lang="en-US" dirty="0"/>
+              <a:t>Programmers are lazy, and repeating code is bad – there must be a better way. </a:t>
+            </a:r>
+          </a:p>
+        </p:txBody>
+      </p:sp>
+    </p:spTree>
+    <p:extLst>
+      <p:ext uri="{BB962C8B-B14F-4D97-AF65-F5344CB8AC3E}">
+        <p14:creationId xmlns:p14="http://schemas.microsoft.com/office/powerpoint/2010/main" val="631971470"/>
+      </p:ext>
+    </p:extLst>
+  </p:cSld>
+  <p:clrMapOvr>
+    <a:masterClrMapping/>
+  </p:clrMapOvr>
+</p:sld>
+</file>
+
+<file path=ppt/slides/slide7.xml><?xml version="1.0" encoding="utf-8"?>
+<p:sld xmlns:a="http://schemas.openxmlformats.org/drawingml/2006/main" xmlns:r="http://schemas.openxmlformats.org/officeDocument/2006/relationships" xmlns:p="http://schemas.openxmlformats.org/presentationml/2006/main">
+  <p:cSld>
+    <p:spTree>
+      <p:nvGrpSpPr>
+        <p:cNvPr id="1" name=""/>
+        <p:cNvGrpSpPr/>
+        <p:nvPr/>
+      </p:nvGrpSpPr>
+      <p:grpSpPr>
+        <a:xfrm>
+          <a:off x="0" y="0"/>
+          <a:ext cx="0" cy="0"/>
+          <a:chOff x="0" y="0"/>
+          <a:chExt cx="0" cy="0"/>
+        </a:xfrm>
+      </p:grpSpPr>
+      <p:sp>
+        <p:nvSpPr>
+          <p:cNvPr id="2" name="Title 1">
+            <a:extLst>
+              <a:ext uri="{FF2B5EF4-FFF2-40B4-BE49-F238E27FC236}">
                 <a16:creationId xmlns:a16="http://schemas.microsoft.com/office/drawing/2014/main" id="{B2258FA1-9CD2-29F6-BF9A-BA21DA125B82}"/>
               </a:ext>
             </a:extLst>
@@ -4480,6 +5900,375 @@
               <a:rPr lang="en-US" dirty="0"/>
               <a:t>We say that an ILT class extends, is a child of, or inherits from the Class object. </a:t>
             </a:r>
+          </a:p>
+        </p:txBody>
+      </p:sp>
+      <p:sp>
+        <p:nvSpPr>
+          <p:cNvPr id="4" name="Rectangle 3">
+            <a:extLst>
+              <a:ext uri="{FF2B5EF4-FFF2-40B4-BE49-F238E27FC236}">
+                <a16:creationId xmlns:a16="http://schemas.microsoft.com/office/drawing/2014/main" id="{5D179F89-7671-9581-8985-812C8824F350}"/>
+              </a:ext>
+            </a:extLst>
+          </p:cNvPr>
+          <p:cNvSpPr/>
+          <p:nvPr/>
+        </p:nvSpPr>
+        <p:spPr>
+          <a:xfrm>
+            <a:off x="8807587" y="130893"/>
+            <a:ext cx="1530485" cy="538264"/>
+          </a:xfrm>
+          <a:prstGeom prst="rect">
+            <a:avLst/>
+          </a:prstGeom>
+        </p:spPr>
+        <p:style>
+          <a:lnRef idx="2">
+            <a:schemeClr val="accent1">
+              <a:shade val="15000"/>
+            </a:schemeClr>
+          </a:lnRef>
+          <a:fillRef idx="1">
+            <a:schemeClr val="accent1"/>
+          </a:fillRef>
+          <a:effectRef idx="0">
+            <a:schemeClr val="accent1"/>
+          </a:effectRef>
+          <a:fontRef idx="minor">
+            <a:schemeClr val="lt1"/>
+          </a:fontRef>
+        </p:style>
+        <p:txBody>
+          <a:bodyPr rtlCol="0" anchor="ctr"/>
+          <a:lstStyle/>
+          <a:p>
+            <a:pPr algn="ctr"/>
+            <a:r>
+              <a:rPr lang="en-US" dirty="0"/>
+              <a:t>Class</a:t>
+            </a:r>
+          </a:p>
+        </p:txBody>
+      </p:sp>
+      <p:sp>
+        <p:nvSpPr>
+          <p:cNvPr id="5" name="Rectangle 4">
+            <a:extLst>
+              <a:ext uri="{FF2B5EF4-FFF2-40B4-BE49-F238E27FC236}">
+                <a16:creationId xmlns:a16="http://schemas.microsoft.com/office/drawing/2014/main" id="{B1DE3902-31D1-FD2D-2963-444D8DE366BE}"/>
+              </a:ext>
+            </a:extLst>
+          </p:cNvPr>
+          <p:cNvSpPr/>
+          <p:nvPr/>
+        </p:nvSpPr>
+        <p:spPr>
+          <a:xfrm>
+            <a:off x="6953661" y="1072059"/>
+            <a:ext cx="1530485" cy="538264"/>
+          </a:xfrm>
+          <a:prstGeom prst="rect">
+            <a:avLst/>
+          </a:prstGeom>
+        </p:spPr>
+        <p:style>
+          <a:lnRef idx="2">
+            <a:schemeClr val="accent1">
+              <a:shade val="15000"/>
+            </a:schemeClr>
+          </a:lnRef>
+          <a:fillRef idx="1">
+            <a:schemeClr val="accent1"/>
+          </a:fillRef>
+          <a:effectRef idx="0">
+            <a:schemeClr val="accent1"/>
+          </a:effectRef>
+          <a:fontRef idx="minor">
+            <a:schemeClr val="lt1"/>
+          </a:fontRef>
+        </p:style>
+        <p:txBody>
+          <a:bodyPr rtlCol="0" anchor="ctr"/>
+          <a:lstStyle/>
+          <a:p>
+            <a:pPr algn="ctr"/>
+            <a:r>
+              <a:rPr lang="en-US" dirty="0"/>
+              <a:t>ILT Class</a:t>
+            </a:r>
+          </a:p>
+        </p:txBody>
+      </p:sp>
+      <p:sp>
+        <p:nvSpPr>
+          <p:cNvPr id="6" name="Rectangle 5">
+            <a:extLst>
+              <a:ext uri="{FF2B5EF4-FFF2-40B4-BE49-F238E27FC236}">
+                <a16:creationId xmlns:a16="http://schemas.microsoft.com/office/drawing/2014/main" id="{4C848E07-61BA-C9A6-CFAD-75F7902149B6}"/>
+              </a:ext>
+            </a:extLst>
+          </p:cNvPr>
+          <p:cNvSpPr/>
+          <p:nvPr/>
+        </p:nvSpPr>
+        <p:spPr>
+          <a:xfrm>
+            <a:off x="8807588" y="1072059"/>
+            <a:ext cx="1530485" cy="538264"/>
+          </a:xfrm>
+          <a:prstGeom prst="rect">
+            <a:avLst/>
+          </a:prstGeom>
+        </p:spPr>
+        <p:style>
+          <a:lnRef idx="2">
+            <a:schemeClr val="accent1">
+              <a:shade val="15000"/>
+            </a:schemeClr>
+          </a:lnRef>
+          <a:fillRef idx="1">
+            <a:schemeClr val="accent1"/>
+          </a:fillRef>
+          <a:effectRef idx="0">
+            <a:schemeClr val="accent1"/>
+          </a:effectRef>
+          <a:fontRef idx="minor">
+            <a:schemeClr val="lt1"/>
+          </a:fontRef>
+        </p:style>
+        <p:txBody>
+          <a:bodyPr rtlCol="0" anchor="ctr"/>
+          <a:lstStyle/>
+          <a:p>
+            <a:pPr algn="ctr"/>
+            <a:r>
+              <a:rPr lang="en-US" dirty="0"/>
+              <a:t>Virtual</a:t>
+            </a:r>
+          </a:p>
+        </p:txBody>
+      </p:sp>
+      <p:sp>
+        <p:nvSpPr>
+          <p:cNvPr id="7" name="Rectangle 6">
+            <a:extLst>
+              <a:ext uri="{FF2B5EF4-FFF2-40B4-BE49-F238E27FC236}">
+                <a16:creationId xmlns:a16="http://schemas.microsoft.com/office/drawing/2014/main" id="{76936898-E0A8-7D77-42DF-EC7A55AFFDF6}"/>
+              </a:ext>
+            </a:extLst>
+          </p:cNvPr>
+          <p:cNvSpPr/>
+          <p:nvPr/>
+        </p:nvSpPr>
+        <p:spPr>
+          <a:xfrm>
+            <a:off x="10661515" y="1072059"/>
+            <a:ext cx="1530485" cy="538264"/>
+          </a:xfrm>
+          <a:prstGeom prst="rect">
+            <a:avLst/>
+          </a:prstGeom>
+        </p:spPr>
+        <p:style>
+          <a:lnRef idx="2">
+            <a:schemeClr val="accent1">
+              <a:shade val="15000"/>
+            </a:schemeClr>
+          </a:lnRef>
+          <a:fillRef idx="1">
+            <a:schemeClr val="accent1"/>
+          </a:fillRef>
+          <a:effectRef idx="0">
+            <a:schemeClr val="accent1"/>
+          </a:effectRef>
+          <a:fontRef idx="minor">
+            <a:schemeClr val="lt1"/>
+          </a:fontRef>
+        </p:style>
+        <p:txBody>
+          <a:bodyPr rtlCol="0" anchor="ctr"/>
+          <a:lstStyle/>
+          <a:p>
+            <a:pPr algn="ctr"/>
+            <a:r>
+              <a:rPr lang="en-US" dirty="0"/>
+              <a:t>Web Self Dir.</a:t>
+            </a:r>
+          </a:p>
+        </p:txBody>
+      </p:sp>
+      <p:sp>
+        <p:nvSpPr>
+          <p:cNvPr id="36" name="Connector: Elbow 35">
+            <a:extLst>
+              <a:ext uri="{FF2B5EF4-FFF2-40B4-BE49-F238E27FC236}">
+                <a16:creationId xmlns:a16="http://schemas.microsoft.com/office/drawing/2014/main" id="{66BDE8B3-FE12-42BA-A672-9F22D554508D}"/>
+              </a:ext>
+            </a:extLst>
+          </p:cNvPr>
+          <p:cNvSpPr/>
+          <p:nvPr/>
+        </p:nvSpPr>
+        <p:spPr>
+          <a:xfrm>
+            <a:off x="10380240" y="384480"/>
+            <a:ext cx="1097280" cy="548640"/>
+          </a:xfrm>
+          <a:prstGeom prst="bentConnector2">
+            <a:avLst/>
+          </a:prstGeom>
+          <a:solidFill>
+            <a:srgbClr val="000000">
+              <a:alpha val="5000"/>
+            </a:srgbClr>
+          </a:solidFill>
+          <a:ln w="9000">
+            <a:solidFill>
+              <a:srgbClr val="000000"/>
+            </a:solidFill>
+          </a:ln>
+        </p:spPr>
+        <p:style>
+          <a:lnRef idx="1">
+            <a:schemeClr val="accent1"/>
+          </a:lnRef>
+          <a:fillRef idx="0">
+            <a:schemeClr val="accent1"/>
+          </a:fillRef>
+          <a:effectRef idx="0">
+            <a:schemeClr val="accent1"/>
+          </a:effectRef>
+          <a:fontRef idx="minor">
+            <a:schemeClr val="tx1"/>
+          </a:fontRef>
+        </p:style>
+        <p:txBody>
+          <a:bodyPr wrap="none" rtlCol="0" anchor="ctr" anchorCtr="1"/>
+          <a:lstStyle/>
+          <a:p>
+            <a:endParaRPr lang="en-US">
+              <a:solidFill>
+                <a:srgbClr val="000000"/>
+              </a:solidFill>
+            </a:endParaRPr>
+          </a:p>
+        </p:txBody>
+      </p:sp>
+      <p:sp>
+        <p:nvSpPr>
+          <p:cNvPr id="30" name="Straight Connector 29">
+            <a:extLst>
+              <a:ext uri="{FF2B5EF4-FFF2-40B4-BE49-F238E27FC236}">
+                <a16:creationId xmlns:a16="http://schemas.microsoft.com/office/drawing/2014/main" id="{3ED5F9DC-9497-4E2F-9D90-B0DFA53736B5}"/>
+              </a:ext>
+            </a:extLst>
+          </p:cNvPr>
+          <p:cNvSpPr/>
+          <p:nvPr/>
+        </p:nvSpPr>
+        <p:spPr>
+          <a:xfrm rot="5400000">
+            <a:off x="9371520" y="874980"/>
+            <a:ext cx="365760" cy="0"/>
+          </a:xfrm>
+          <a:prstGeom prst="line">
+            <a:avLst/>
+          </a:prstGeom>
+          <a:solidFill>
+            <a:srgbClr val="000000">
+              <a:alpha val="5000"/>
+            </a:srgbClr>
+          </a:solidFill>
+          <a:ln w="9000">
+            <a:solidFill>
+              <a:srgbClr val="000000"/>
+            </a:solidFill>
+            <a:tailEnd type="arrow"/>
+          </a:ln>
+        </p:spPr>
+        <p:style>
+          <a:lnRef idx="1">
+            <a:schemeClr val="accent1"/>
+          </a:lnRef>
+          <a:fillRef idx="0">
+            <a:schemeClr val="accent1"/>
+          </a:fillRef>
+          <a:effectRef idx="0">
+            <a:schemeClr val="accent1"/>
+          </a:effectRef>
+          <a:fontRef idx="minor">
+            <a:schemeClr val="tx1"/>
+          </a:fontRef>
+        </p:style>
+        <p:txBody>
+          <a:bodyPr wrap="none" rtlCol="0" anchor="ctr" anchorCtr="1"/>
+          <a:lstStyle/>
+          <a:p>
+            <a:endParaRPr lang="en-US">
+              <a:solidFill>
+                <a:srgbClr val="000000"/>
+              </a:solidFill>
+            </a:endParaRPr>
+          </a:p>
+        </p:txBody>
+      </p:sp>
+      <p:sp>
+        <p:nvSpPr>
+          <p:cNvPr id="18" name="Connector: Elbow 17">
+            <a:extLst>
+              <a:ext uri="{FF2B5EF4-FFF2-40B4-BE49-F238E27FC236}">
+                <a16:creationId xmlns:a16="http://schemas.microsoft.com/office/drawing/2014/main" id="{5F485D2D-D999-4BB1-A188-0C74EB9892EC}"/>
+              </a:ext>
+            </a:extLst>
+          </p:cNvPr>
+          <p:cNvSpPr/>
+          <p:nvPr/>
+        </p:nvSpPr>
+        <p:spPr>
+          <a:xfrm rot="10800000" flipV="1">
+            <a:off x="7788960" y="431640"/>
+            <a:ext cx="914400" cy="548640"/>
+          </a:xfrm>
+          <a:prstGeom prst="bentConnector2">
+            <a:avLst/>
+          </a:prstGeom>
+          <a:solidFill>
+            <a:srgbClr val="000000">
+              <a:alpha val="5000"/>
+            </a:srgbClr>
+          </a:solidFill>
+          <a:ln w="9000">
+            <a:solidFill>
+              <a:srgbClr val="000000"/>
+            </a:solidFill>
+            <a:tailEnd type="arrow"/>
+          </a:ln>
+        </p:spPr>
+        <p:style>
+          <a:lnRef idx="1">
+            <a:schemeClr val="accent1"/>
+          </a:lnRef>
+          <a:fillRef idx="0">
+            <a:schemeClr val="accent1"/>
+          </a:fillRef>
+          <a:effectRef idx="0">
+            <a:schemeClr val="accent1"/>
+          </a:effectRef>
+          <a:fontRef idx="minor">
+            <a:schemeClr val="tx1"/>
+          </a:fontRef>
+        </p:style>
+        <p:txBody>
+          <a:bodyPr wrap="none" rtlCol="0" anchor="ctr" anchorCtr="1"/>
+          <a:lstStyle/>
+          <a:p>
+            <a:endParaRPr lang="en-US">
+              <a:solidFill>
+                <a:srgbClr val="000000"/>
+              </a:solidFill>
+            </a:endParaRPr>
           </a:p>
         </p:txBody>
       </p:sp>
@@ -4496,7 +6285,7 @@
 </p:sld>
 </file>
 
-<file path=ppt/slides/slide5.xml><?xml version="1.0" encoding="utf-8"?>
+<file path=ppt/slides/slide8.xml><?xml version="1.0" encoding="utf-8"?>
 <p:sld xmlns:a="http://schemas.openxmlformats.org/drawingml/2006/main" xmlns:r="http://schemas.openxmlformats.org/officeDocument/2006/relationships" xmlns:p="http://schemas.openxmlformats.org/presentationml/2006/main">
   <p:cSld>
     <p:spTree>
@@ -4626,7 +6415,7 @@
 </p:sld>
 </file>
 
-<file path=ppt/slides/slide6.xml><?xml version="1.0" encoding="utf-8"?>
+<file path=ppt/slides/slide9.xml><?xml version="1.0" encoding="utf-8"?>
 <p:sld xmlns:a="http://schemas.openxmlformats.org/drawingml/2006/main" xmlns:r="http://schemas.openxmlformats.org/officeDocument/2006/relationships" xmlns:p="http://schemas.openxmlformats.org/presentationml/2006/main">
   <p:cSld>
     <p:spTree>
@@ -4802,520 +6591,6 @@
     <p:extLst>
       <p:ext uri="{BB962C8B-B14F-4D97-AF65-F5344CB8AC3E}">
         <p14:creationId xmlns:p14="http://schemas.microsoft.com/office/powerpoint/2010/main" val="3559987598"/>
-      </p:ext>
-    </p:extLst>
-  </p:cSld>
-  <p:clrMapOvr>
-    <a:masterClrMapping/>
-  </p:clrMapOvr>
-</p:sld>
-</file>
-
-<file path=ppt/slides/slide7.xml><?xml version="1.0" encoding="utf-8"?>
-<p:sld xmlns:a="http://schemas.openxmlformats.org/drawingml/2006/main" xmlns:r="http://schemas.openxmlformats.org/officeDocument/2006/relationships" xmlns:p="http://schemas.openxmlformats.org/presentationml/2006/main">
-  <p:cSld>
-    <p:spTree>
-      <p:nvGrpSpPr>
-        <p:cNvPr id="1" name=""/>
-        <p:cNvGrpSpPr/>
-        <p:nvPr/>
-      </p:nvGrpSpPr>
-      <p:grpSpPr>
-        <a:xfrm>
-          <a:off x="0" y="0"/>
-          <a:ext cx="0" cy="0"/>
-          <a:chOff x="0" y="0"/>
-          <a:chExt cx="0" cy="0"/>
-        </a:xfrm>
-      </p:grpSpPr>
-      <p:sp>
-        <p:nvSpPr>
-          <p:cNvPr id="2" name="Title 1">
-            <a:extLst>
-              <a:ext uri="{FF2B5EF4-FFF2-40B4-BE49-F238E27FC236}">
-                <a16:creationId xmlns:a16="http://schemas.microsoft.com/office/drawing/2014/main" id="{A04BF216-5A24-9200-B8D2-48F60B7730E3}"/>
-              </a:ext>
-            </a:extLst>
-          </p:cNvPr>
-          <p:cNvSpPr>
-            <a:spLocks noGrp="1"/>
-          </p:cNvSpPr>
-          <p:nvPr>
-            <p:ph type="title"/>
-          </p:nvPr>
-        </p:nvSpPr>
-        <p:spPr/>
-        <p:txBody>
-          <a:bodyPr/>
-          <a:lstStyle/>
-          <a:p>
-            <a:endParaRPr lang="en-US"/>
-          </a:p>
-        </p:txBody>
-      </p:sp>
-      <p:sp>
-        <p:nvSpPr>
-          <p:cNvPr id="3" name="Content Placeholder 2">
-            <a:extLst>
-              <a:ext uri="{FF2B5EF4-FFF2-40B4-BE49-F238E27FC236}">
-                <a16:creationId xmlns:a16="http://schemas.microsoft.com/office/drawing/2014/main" id="{FF8436AD-0B81-FCEA-53FA-418A3B6FFEA8}"/>
-              </a:ext>
-            </a:extLst>
-          </p:cNvPr>
-          <p:cNvSpPr>
-            <a:spLocks noGrp="1"/>
-          </p:cNvSpPr>
-          <p:nvPr>
-            <p:ph idx="1"/>
-          </p:nvPr>
-        </p:nvSpPr>
-        <p:spPr/>
-        <p:txBody>
-          <a:bodyPr/>
-          <a:lstStyle/>
-          <a:p>
-            <a:endParaRPr lang="en-US"/>
-          </a:p>
-        </p:txBody>
-      </p:sp>
-      <p:pic>
-        <p:nvPicPr>
-          <p:cNvPr id="1026" name="Picture 2" descr="Apply Inheritance in Python Code - Learn Programming With Python -  OpenClassrooms">
-            <a:extLst>
-              <a:ext uri="{FF2B5EF4-FFF2-40B4-BE49-F238E27FC236}">
-                <a16:creationId xmlns:a16="http://schemas.microsoft.com/office/drawing/2014/main" id="{3F21D0B7-1DF6-2E46-980F-0110CE810277}"/>
-              </a:ext>
-            </a:extLst>
-          </p:cNvPr>
-          <p:cNvPicPr>
-            <a:picLocks noChangeAspect="1" noChangeArrowheads="1"/>
-          </p:cNvPicPr>
-          <p:nvPr/>
-        </p:nvPicPr>
-        <p:blipFill>
-          <a:blip r:embed="rId2">
-            <a:extLst>
-              <a:ext uri="{28A0092B-C50C-407E-A947-70E740481C1C}">
-                <a14:useLocalDpi xmlns:a14="http://schemas.microsoft.com/office/drawing/2010/main" val="0"/>
-              </a:ext>
-            </a:extLst>
-          </a:blip>
-          <a:srcRect/>
-          <a:stretch>
-            <a:fillRect/>
-          </a:stretch>
-        </p:blipFill>
-        <p:spPr bwMode="auto">
-          <a:xfrm>
-            <a:off x="1663700" y="628650"/>
-            <a:ext cx="8864600" cy="5600700"/>
-          </a:xfrm>
-          <a:prstGeom prst="rect">
-            <a:avLst/>
-          </a:prstGeom>
-          <a:noFill/>
-          <a:extLst>
-            <a:ext uri="{909E8E84-426E-40DD-AFC4-6F175D3DCCD1}">
-              <a14:hiddenFill xmlns:a14="http://schemas.microsoft.com/office/drawing/2010/main">
-                <a:solidFill>
-                  <a:srgbClr val="FFFFFF"/>
-                </a:solidFill>
-              </a14:hiddenFill>
-            </a:ext>
-          </a:extLst>
-        </p:spPr>
-      </p:pic>
-    </p:spTree>
-    <p:extLst>
-      <p:ext uri="{BB962C8B-B14F-4D97-AF65-F5344CB8AC3E}">
-        <p14:creationId xmlns:p14="http://schemas.microsoft.com/office/powerpoint/2010/main" val="976712185"/>
-      </p:ext>
-    </p:extLst>
-  </p:cSld>
-  <p:clrMapOvr>
-    <a:masterClrMapping/>
-  </p:clrMapOvr>
-</p:sld>
-</file>
-
-<file path=ppt/slides/slide8.xml><?xml version="1.0" encoding="utf-8"?>
-<p:sld xmlns:a="http://schemas.openxmlformats.org/drawingml/2006/main" xmlns:r="http://schemas.openxmlformats.org/officeDocument/2006/relationships" xmlns:p="http://schemas.openxmlformats.org/presentationml/2006/main">
-  <p:cSld>
-    <p:spTree>
-      <p:nvGrpSpPr>
-        <p:cNvPr id="1" name=""/>
-        <p:cNvGrpSpPr/>
-        <p:nvPr/>
-      </p:nvGrpSpPr>
-      <p:grpSpPr>
-        <a:xfrm>
-          <a:off x="0" y="0"/>
-          <a:ext cx="0" cy="0"/>
-          <a:chOff x="0" y="0"/>
-          <a:chExt cx="0" cy="0"/>
-        </a:xfrm>
-      </p:grpSpPr>
-      <p:sp>
-        <p:nvSpPr>
-          <p:cNvPr id="2" name="Title 1">
-            <a:extLst>
-              <a:ext uri="{FF2B5EF4-FFF2-40B4-BE49-F238E27FC236}">
-                <a16:creationId xmlns:a16="http://schemas.microsoft.com/office/drawing/2014/main" id="{67DDCFED-9390-1B74-CF69-AB3F47E25D25}"/>
-              </a:ext>
-            </a:extLst>
-          </p:cNvPr>
-          <p:cNvSpPr>
-            <a:spLocks noGrp="1"/>
-          </p:cNvSpPr>
-          <p:nvPr>
-            <p:ph type="title"/>
-          </p:nvPr>
-        </p:nvSpPr>
-        <p:spPr/>
-        <p:txBody>
-          <a:bodyPr/>
-          <a:lstStyle/>
-          <a:p>
-            <a:r>
-              <a:rPr lang="en-US" dirty="0"/>
-              <a:t>Construction and Super()</a:t>
-            </a:r>
-          </a:p>
-        </p:txBody>
-      </p:sp>
-      <p:sp>
-        <p:nvSpPr>
-          <p:cNvPr id="3" name="Content Placeholder 2">
-            <a:extLst>
-              <a:ext uri="{FF2B5EF4-FFF2-40B4-BE49-F238E27FC236}">
-                <a16:creationId xmlns:a16="http://schemas.microsoft.com/office/drawing/2014/main" id="{76D5EB45-FE96-C54E-5D11-79720EB23BAA}"/>
-              </a:ext>
-            </a:extLst>
-          </p:cNvPr>
-          <p:cNvSpPr>
-            <a:spLocks noGrp="1"/>
-          </p:cNvSpPr>
-          <p:nvPr>
-            <p:ph idx="1"/>
-          </p:nvPr>
-        </p:nvSpPr>
-        <p:spPr>
-          <a:xfrm>
-            <a:off x="444843" y="1853754"/>
-            <a:ext cx="10610011" cy="4199727"/>
-          </a:xfrm>
-        </p:spPr>
-        <p:txBody>
-          <a:bodyPr>
-            <a:normAutofit lnSpcReduction="10000"/>
-          </a:bodyPr>
-          <a:lstStyle/>
-          <a:p>
-            <a:r>
-              <a:rPr lang="en-US" dirty="0"/>
-              <a:t>When creating an object we call the constructor to set the initial state. </a:t>
-            </a:r>
-          </a:p>
-          <a:p>
-            <a:pPr lvl="1"/>
-            <a:r>
-              <a:rPr lang="en-US" dirty="0"/>
-              <a:t>State is what the object “is” - mainly setting the instance variables. </a:t>
-            </a:r>
-          </a:p>
-          <a:p>
-            <a:r>
-              <a:rPr lang="en-US" dirty="0"/>
-              <a:t>When creating a child object, we have a 2 (or more) step process:</a:t>
-            </a:r>
-          </a:p>
-          <a:p>
-            <a:pPr lvl="1"/>
-            <a:r>
-              <a:rPr lang="en-US" dirty="0"/>
-              <a:t>Make the parent. </a:t>
-            </a:r>
-          </a:p>
-          <a:p>
-            <a:pPr lvl="1"/>
-            <a:r>
-              <a:rPr lang="en-US" dirty="0"/>
-              <a:t>Add the child parts. </a:t>
-            </a:r>
-          </a:p>
-          <a:p>
-            <a:pPr lvl="1"/>
-            <a:r>
-              <a:rPr lang="en-US" dirty="0"/>
-              <a:t>I.e. when we create a “Cat” we are making an animal, and adding cat stuff on like meow(). </a:t>
-            </a:r>
-          </a:p>
-          <a:p>
-            <a:r>
-              <a:rPr lang="en-US" dirty="0"/>
-              <a:t>The super() function call will go call the method in the parent. </a:t>
-            </a:r>
-          </a:p>
-          <a:p>
-            <a:pPr lvl="1"/>
-            <a:r>
-              <a:rPr lang="en-US" dirty="0"/>
-              <a:t>Super is an inheritance specific special method that will find “this method” in the parent. </a:t>
-            </a:r>
-          </a:p>
-          <a:p>
-            <a:pPr lvl="1"/>
-            <a:r>
-              <a:rPr lang="en-US" dirty="0"/>
-              <a:t>Super can also be called in other methods, and will call the parent version directly. </a:t>
-            </a:r>
-          </a:p>
-          <a:p>
-            <a:r>
-              <a:rPr lang="en-US" dirty="0"/>
-              <a:t>In a constructer we usually super(), then set any child specific attributes. </a:t>
-            </a:r>
-          </a:p>
-        </p:txBody>
-      </p:sp>
-      <p:pic>
-        <p:nvPicPr>
-          <p:cNvPr id="5122" name="Picture 2" descr="What does the super()._init() function do in Python? - Quora">
-            <a:extLst>
-              <a:ext uri="{FF2B5EF4-FFF2-40B4-BE49-F238E27FC236}">
-                <a16:creationId xmlns:a16="http://schemas.microsoft.com/office/drawing/2014/main" id="{9E2B8500-406A-9ED4-AE97-5B37557F7EC5}"/>
-              </a:ext>
-            </a:extLst>
-          </p:cNvPr>
-          <p:cNvPicPr>
-            <a:picLocks noChangeAspect="1" noChangeArrowheads="1"/>
-          </p:cNvPicPr>
-          <p:nvPr/>
-        </p:nvPicPr>
-        <p:blipFill rotWithShape="1">
-          <a:blip r:embed="rId2">
-            <a:extLst>
-              <a:ext uri="{28A0092B-C50C-407E-A947-70E740481C1C}">
-                <a14:useLocalDpi xmlns:a14="http://schemas.microsoft.com/office/drawing/2010/main" val="0"/>
-              </a:ext>
-            </a:extLst>
-          </a:blip>
-          <a:srcRect t="14447" r="48599"/>
-          <a:stretch/>
-        </p:blipFill>
-        <p:spPr bwMode="auto">
-          <a:xfrm>
-            <a:off x="8262208" y="0"/>
-            <a:ext cx="3929792" cy="3400818"/>
-          </a:xfrm>
-          <a:prstGeom prst="rect">
-            <a:avLst/>
-          </a:prstGeom>
-          <a:noFill/>
-          <a:extLst>
-            <a:ext uri="{909E8E84-426E-40DD-AFC4-6F175D3DCCD1}">
-              <a14:hiddenFill xmlns:a14="http://schemas.microsoft.com/office/drawing/2010/main">
-                <a:solidFill>
-                  <a:srgbClr val="FFFFFF"/>
-                </a:solidFill>
-              </a14:hiddenFill>
-            </a:ext>
-          </a:extLst>
-        </p:spPr>
-      </p:pic>
-    </p:spTree>
-    <p:extLst>
-      <p:ext uri="{BB962C8B-B14F-4D97-AF65-F5344CB8AC3E}">
-        <p14:creationId xmlns:p14="http://schemas.microsoft.com/office/powerpoint/2010/main" val="2908609256"/>
-      </p:ext>
-    </p:extLst>
-  </p:cSld>
-  <p:clrMapOvr>
-    <a:masterClrMapping/>
-  </p:clrMapOvr>
-</p:sld>
-</file>
-
-<file path=ppt/slides/slide9.xml><?xml version="1.0" encoding="utf-8"?>
-<p:sld xmlns:a="http://schemas.openxmlformats.org/drawingml/2006/main" xmlns:r="http://schemas.openxmlformats.org/officeDocument/2006/relationships" xmlns:p="http://schemas.openxmlformats.org/presentationml/2006/main">
-  <p:cSld>
-    <p:spTree>
-      <p:nvGrpSpPr>
-        <p:cNvPr id="1" name=""/>
-        <p:cNvGrpSpPr/>
-        <p:nvPr/>
-      </p:nvGrpSpPr>
-      <p:grpSpPr>
-        <a:xfrm>
-          <a:off x="0" y="0"/>
-          <a:ext cx="0" cy="0"/>
-          <a:chOff x="0" y="0"/>
-          <a:chExt cx="0" cy="0"/>
-        </a:xfrm>
-      </p:grpSpPr>
-      <p:sp>
-        <p:nvSpPr>
-          <p:cNvPr id="2" name="Title 1">
-            <a:extLst>
-              <a:ext uri="{FF2B5EF4-FFF2-40B4-BE49-F238E27FC236}">
-                <a16:creationId xmlns:a16="http://schemas.microsoft.com/office/drawing/2014/main" id="{4157CF27-BCD7-2B80-97F4-18FDA263F9F2}"/>
-              </a:ext>
-            </a:extLst>
-          </p:cNvPr>
-          <p:cNvSpPr>
-            <a:spLocks noGrp="1"/>
-          </p:cNvSpPr>
-          <p:nvPr>
-            <p:ph type="title"/>
-          </p:nvPr>
-        </p:nvSpPr>
-        <p:spPr/>
-        <p:txBody>
-          <a:bodyPr/>
-          <a:lstStyle/>
-          <a:p>
-            <a:r>
-              <a:rPr lang="en-US" dirty="0"/>
-              <a:t>Protected Attributes</a:t>
-            </a:r>
-          </a:p>
-        </p:txBody>
-      </p:sp>
-      <p:sp>
-        <p:nvSpPr>
-          <p:cNvPr id="3" name="Content Placeholder 2">
-            <a:extLst>
-              <a:ext uri="{FF2B5EF4-FFF2-40B4-BE49-F238E27FC236}">
-                <a16:creationId xmlns:a16="http://schemas.microsoft.com/office/drawing/2014/main" id="{6CD6A279-4C4C-A64F-D3CC-74711F6A2C27}"/>
-              </a:ext>
-            </a:extLst>
-          </p:cNvPr>
-          <p:cNvSpPr>
-            <a:spLocks noGrp="1"/>
-          </p:cNvSpPr>
-          <p:nvPr>
-            <p:ph idx="1"/>
-          </p:nvPr>
-        </p:nvSpPr>
-        <p:spPr>
-          <a:xfrm>
-            <a:off x="139147" y="1853753"/>
-            <a:ext cx="11877262" cy="4199727"/>
-          </a:xfrm>
-        </p:spPr>
-        <p:txBody>
-          <a:bodyPr/>
-          <a:lstStyle/>
-          <a:p>
-            <a:r>
-              <a:rPr lang="en-US" dirty="0"/>
-              <a:t>Inheritance is also the place where the third type of variable is used.</a:t>
-            </a:r>
-          </a:p>
-          <a:p>
-            <a:pPr lvl="1"/>
-            <a:r>
-              <a:rPr lang="en-US" dirty="0"/>
-              <a:t>Public (normal) variables are available outside classes. </a:t>
-            </a:r>
-          </a:p>
-          <a:p>
-            <a:pPr lvl="1"/>
-            <a:r>
-              <a:rPr lang="en-US" dirty="0"/>
-              <a:t>Private variables are only available within a class (nominally). </a:t>
-            </a:r>
-          </a:p>
-          <a:p>
-            <a:r>
-              <a:rPr lang="en-US" dirty="0"/>
-              <a:t>Protected variables are available within a class and its subclasses. </a:t>
-            </a:r>
-          </a:p>
-          <a:p>
-            <a:pPr lvl="1"/>
-            <a:r>
-              <a:rPr lang="en-US" dirty="0"/>
-              <a:t>Like private variables from the outside, and normal variables from the subclass perspective. </a:t>
-            </a:r>
-          </a:p>
-          <a:p>
-            <a:r>
-              <a:rPr lang="en-US" dirty="0"/>
-              <a:t>For example, consider employees at Air Canada (more or less actually true):</a:t>
-            </a:r>
-          </a:p>
-          <a:p>
-            <a:pPr lvl="1"/>
-            <a:r>
-              <a:rPr lang="en-US" dirty="0"/>
-              <a:t>Employees have normal attributes like name, ID, </a:t>
-            </a:r>
-            <a:r>
-              <a:rPr lang="en-US" dirty="0" err="1"/>
-              <a:t>etc</a:t>
-            </a:r>
-            <a:r>
-              <a:rPr lang="en-US" dirty="0"/>
-              <a:t>…</a:t>
-            </a:r>
-          </a:p>
-          <a:p>
-            <a:pPr lvl="1"/>
-            <a:r>
-              <a:rPr lang="en-US" dirty="0"/>
-              <a:t>“Flight Crew” (pilots and flight attendants) add additional security permissions and ‘protected’ clearance information. </a:t>
-            </a:r>
-          </a:p>
-          <a:p>
-            <a:pPr lvl="1"/>
-            <a:r>
-              <a:rPr lang="en-US" dirty="0"/>
-              <a:t>Pilots add even more private information for security clearance. </a:t>
-            </a:r>
-          </a:p>
-          <a:p>
-            <a:pPr lvl="1"/>
-            <a:r>
-              <a:rPr lang="en-US" dirty="0"/>
-              <a:t>The lesser clearance level information for pilots is visible to the Pilot object, but hidden to the outside world. </a:t>
-            </a:r>
-          </a:p>
-        </p:txBody>
-      </p:sp>
-      <p:pic>
-        <p:nvPicPr>
-          <p:cNvPr id="4" name="Picture 3">
-            <a:extLst>
-              <a:ext uri="{FF2B5EF4-FFF2-40B4-BE49-F238E27FC236}">
-                <a16:creationId xmlns:a16="http://schemas.microsoft.com/office/drawing/2014/main" id="{77272328-4F84-F3C5-63DD-9DD0503079FC}"/>
-              </a:ext>
-            </a:extLst>
-          </p:cNvPr>
-          <p:cNvPicPr>
-            <a:picLocks noChangeAspect="1"/>
-          </p:cNvPicPr>
-          <p:nvPr/>
-        </p:nvPicPr>
-        <p:blipFill rotWithShape="1">
-          <a:blip r:embed="rId2"/>
-          <a:srcRect l="12595"/>
-          <a:stretch/>
-        </p:blipFill>
-        <p:spPr>
-          <a:xfrm>
-            <a:off x="9156724" y="0"/>
-            <a:ext cx="3035276" cy="3429000"/>
-          </a:xfrm>
-          <a:prstGeom prst="rect">
-            <a:avLst/>
-          </a:prstGeom>
-        </p:spPr>
-      </p:pic>
-    </p:spTree>
-    <p:extLst>
-      <p:ext uri="{BB962C8B-B14F-4D97-AF65-F5344CB8AC3E}">
-        <p14:creationId xmlns:p14="http://schemas.microsoft.com/office/powerpoint/2010/main" val="3092955313"/>
       </p:ext>
     </p:extLst>
   </p:cSld>

--- a/course_material/slides/inheritance.pptx
+++ b/course_material/slides/inheritance.pptx
@@ -3730,7 +3730,7 @@
             </a:r>
           </a:p>
           <a:p>
-            <a:pPr lvl="2"/>
+            <a:pPr lvl="1"/>
             <a:r>
               <a:rPr lang="en-US" dirty="0"/>
               <a:t>We’ll ultimately try to do something similar to 18.2 as an exercise next time</a:t>
@@ -5003,8 +5003,8 @@
         </p:nvSpPr>
         <p:spPr>
           <a:xfrm>
-            <a:off x="1193261" y="2015732"/>
-            <a:ext cx="10013004" cy="4037749"/>
+            <a:off x="1193261" y="1853754"/>
+            <a:ext cx="10013004" cy="4199727"/>
           </a:xfrm>
         </p:spPr>
         <p:txBody>

--- a/course_material/slides/inheritance.pptx
+++ b/course_material/slides/inheritance.pptx
@@ -3698,7 +3698,7 @@
           <a:p>
             <a:r>
               <a:rPr lang="en-US" dirty="0"/>
-              <a:t>Class inheritance part 1. (Ch 15-17ish in book, but not all)</a:t>
+              <a:t>Class inheritance part 1. (Ch 15-18ish in book, but not all)</a:t>
             </a:r>
           </a:p>
           <a:p>
